--- a/Hybrid-Cloud-Lösung mit RPG.pptx
+++ b/Hybrid-Cloud-Lösung mit RPG.pptx
@@ -5,29 +5,30 @@
     <p:sldMasterId id="2147483659" r:id="rId1"/>
   </p:sldMasterIdLst>
   <p:notesMasterIdLst>
-    <p:notesMasterId r:id="rId19"/>
+    <p:notesMasterId r:id="rId20"/>
   </p:notesMasterIdLst>
   <p:handoutMasterIdLst>
-    <p:handoutMasterId r:id="rId20"/>
+    <p:handoutMasterId r:id="rId21"/>
   </p:handoutMasterIdLst>
   <p:sldIdLst>
     <p:sldId id="256" r:id="rId2"/>
     <p:sldId id="288" r:id="rId3"/>
-    <p:sldId id="272" r:id="rId4"/>
-    <p:sldId id="274" r:id="rId5"/>
-    <p:sldId id="275" r:id="rId6"/>
-    <p:sldId id="276" r:id="rId7"/>
-    <p:sldId id="277" r:id="rId8"/>
-    <p:sldId id="278" r:id="rId9"/>
-    <p:sldId id="279" r:id="rId10"/>
-    <p:sldId id="280" r:id="rId11"/>
-    <p:sldId id="281" r:id="rId12"/>
-    <p:sldId id="282" r:id="rId13"/>
-    <p:sldId id="289" r:id="rId14"/>
-    <p:sldId id="284" r:id="rId15"/>
-    <p:sldId id="285" r:id="rId16"/>
-    <p:sldId id="286" r:id="rId17"/>
-    <p:sldId id="287" r:id="rId18"/>
+    <p:sldId id="290" r:id="rId4"/>
+    <p:sldId id="272" r:id="rId5"/>
+    <p:sldId id="274" r:id="rId6"/>
+    <p:sldId id="275" r:id="rId7"/>
+    <p:sldId id="276" r:id="rId8"/>
+    <p:sldId id="277" r:id="rId9"/>
+    <p:sldId id="278" r:id="rId10"/>
+    <p:sldId id="279" r:id="rId11"/>
+    <p:sldId id="280" r:id="rId12"/>
+    <p:sldId id="281" r:id="rId13"/>
+    <p:sldId id="282" r:id="rId14"/>
+    <p:sldId id="289" r:id="rId15"/>
+    <p:sldId id="284" r:id="rId16"/>
+    <p:sldId id="285" r:id="rId17"/>
+    <p:sldId id="286" r:id="rId18"/>
+    <p:sldId id="287" r:id="rId19"/>
   </p:sldIdLst>
   <p:sldSz cx="12192000" cy="6858000"/>
   <p:notesSz cx="6858000" cy="9144000"/>
@@ -1402,7 +1403,7 @@
           <a:lstStyle/>
           <a:p>
             <a:pPr eaLnBrk="1" hangingPunct="1"/>
-            <a:endParaRPr lang="de-DE" altLang="de-DE">
+            <a:endParaRPr lang="de-DE" altLang="de-DE" dirty="0">
               <a:latin typeface="Arial" pitchFamily="34" charset="0"/>
             </a:endParaRPr>
           </a:p>
@@ -1411,7 +1412,7 @@
     </p:spTree>
     <p:extLst>
       <p:ext uri="{BB962C8B-B14F-4D97-AF65-F5344CB8AC3E}">
-        <p14:creationId xmlns:p14="http://schemas.microsoft.com/office/powerpoint/2010/main" val="718287564"/>
+        <p14:creationId xmlns:p14="http://schemas.microsoft.com/office/powerpoint/2010/main" val="1925987835"/>
       </p:ext>
     </p:extLst>
   </p:cSld>
@@ -1518,7 +1519,7 @@
     </p:spTree>
     <p:extLst>
       <p:ext uri="{BB962C8B-B14F-4D97-AF65-F5344CB8AC3E}">
-        <p14:creationId xmlns:p14="http://schemas.microsoft.com/office/powerpoint/2010/main" val="437547305"/>
+        <p14:creationId xmlns:p14="http://schemas.microsoft.com/office/powerpoint/2010/main" val="718287564"/>
       </p:ext>
     </p:extLst>
   </p:cSld>
@@ -1616,7 +1617,7 @@
           <a:lstStyle/>
           <a:p>
             <a:pPr eaLnBrk="1" hangingPunct="1"/>
-            <a:endParaRPr lang="de-DE" altLang="de-DE" dirty="0">
+            <a:endParaRPr lang="de-DE" altLang="de-DE">
               <a:latin typeface="Arial" pitchFamily="34" charset="0"/>
             </a:endParaRPr>
           </a:p>
@@ -1625,7 +1626,7 @@
     </p:spTree>
     <p:extLst>
       <p:ext uri="{BB962C8B-B14F-4D97-AF65-F5344CB8AC3E}">
-        <p14:creationId xmlns:p14="http://schemas.microsoft.com/office/powerpoint/2010/main" val="756378819"/>
+        <p14:creationId xmlns:p14="http://schemas.microsoft.com/office/powerpoint/2010/main" val="437547305"/>
       </p:ext>
     </p:extLst>
   </p:cSld>
@@ -1676,7 +1677,7 @@
                 <a:cs typeface="Osaka"/>
               </a:rPr>
               <a:pPr/>
-              <a:t>14</a:t>
+              <a:t>13</a:t>
             </a:fld>
             <a:endParaRPr lang="de-DE" altLang="de-DE">
               <a:latin typeface="Arial" pitchFamily="34" charset="0"/>
@@ -1724,7 +1725,7 @@
           <a:p>
             <a:pPr eaLnBrk="1" hangingPunct="1"/>
             <a:endParaRPr lang="de-DE" altLang="de-DE" dirty="0">
-              <a:latin typeface="Arial" panose="020B0604020202020204" pitchFamily="34" charset="0"/>
+              <a:latin typeface="Arial" pitchFamily="34" charset="0"/>
             </a:endParaRPr>
           </a:p>
         </p:txBody>
@@ -1732,7 +1733,7 @@
     </p:spTree>
     <p:extLst>
       <p:ext uri="{BB962C8B-B14F-4D97-AF65-F5344CB8AC3E}">
-        <p14:creationId xmlns:p14="http://schemas.microsoft.com/office/powerpoint/2010/main" val="2423227251"/>
+        <p14:creationId xmlns:p14="http://schemas.microsoft.com/office/powerpoint/2010/main" val="756378819"/>
       </p:ext>
     </p:extLst>
   </p:cSld>
@@ -1839,7 +1840,7 @@
     </p:spTree>
     <p:extLst>
       <p:ext uri="{BB962C8B-B14F-4D97-AF65-F5344CB8AC3E}">
-        <p14:creationId xmlns:p14="http://schemas.microsoft.com/office/powerpoint/2010/main" val="1055179726"/>
+        <p14:creationId xmlns:p14="http://schemas.microsoft.com/office/powerpoint/2010/main" val="2423227251"/>
       </p:ext>
     </p:extLst>
   </p:cSld>
@@ -1938,7 +1939,7 @@
           <a:p>
             <a:pPr eaLnBrk="1" hangingPunct="1"/>
             <a:endParaRPr lang="de-DE" altLang="de-DE" dirty="0">
-              <a:latin typeface="Arial" pitchFamily="34" charset="0"/>
+              <a:latin typeface="Arial" panose="020B0604020202020204" pitchFamily="34" charset="0"/>
             </a:endParaRPr>
           </a:p>
         </p:txBody>
@@ -1946,7 +1947,7 @@
     </p:spTree>
     <p:extLst>
       <p:ext uri="{BB962C8B-B14F-4D97-AF65-F5344CB8AC3E}">
-        <p14:creationId xmlns:p14="http://schemas.microsoft.com/office/powerpoint/2010/main" val="2902505216"/>
+        <p14:creationId xmlns:p14="http://schemas.microsoft.com/office/powerpoint/2010/main" val="1055179726"/>
       </p:ext>
     </p:extLst>
   </p:cSld>
@@ -1975,6 +1976,113 @@
       </p:grpSpPr>
       <p:sp>
         <p:nvSpPr>
+          <p:cNvPr id="15362" name="Rectangle 7"/>
+          <p:cNvSpPr>
+            <a:spLocks noGrp="1" noChangeArrowheads="1"/>
+          </p:cNvSpPr>
+          <p:nvPr>
+            <p:ph type="sldNum" sz="quarter" idx="5"/>
+          </p:nvPr>
+        </p:nvSpPr>
+        <p:spPr>
+          <a:noFill/>
+        </p:spPr>
+        <p:txBody>
+          <a:bodyPr/>
+          <a:lstStyle/>
+          <a:p>
+            <a:fld id="{505713DE-FB08-4F7F-B26A-D4CC4D7D0091}" type="slidenum">
+              <a:rPr lang="de-DE" altLang="de-DE" smtClean="0">
+                <a:latin typeface="Arial" pitchFamily="34" charset="0"/>
+                <a:ea typeface="Osaka"/>
+                <a:cs typeface="Osaka"/>
+              </a:rPr>
+              <a:pPr/>
+              <a:t>17</a:t>
+            </a:fld>
+            <a:endParaRPr lang="de-DE" altLang="de-DE">
+              <a:latin typeface="Arial" pitchFamily="34" charset="0"/>
+              <a:ea typeface="Osaka"/>
+              <a:cs typeface="Osaka"/>
+            </a:endParaRPr>
+          </a:p>
+        </p:txBody>
+      </p:sp>
+      <p:sp>
+        <p:nvSpPr>
+          <p:cNvPr id="15363" name="Placeholder 2"/>
+          <p:cNvSpPr>
+            <a:spLocks noGrp="1" noRot="1" noChangeAspect="1" noChangeArrowheads="1" noTextEdit="1"/>
+          </p:cNvSpPr>
+          <p:nvPr>
+            <p:ph type="sldImg"/>
+          </p:nvPr>
+        </p:nvSpPr>
+        <p:spPr>
+          <a:xfrm>
+            <a:off x="381000" y="685800"/>
+            <a:ext cx="6096000" cy="3429000"/>
+          </a:xfrm>
+          <a:ln/>
+        </p:spPr>
+      </p:sp>
+      <p:sp>
+        <p:nvSpPr>
+          <p:cNvPr id="15364" name="Placeholder 3"/>
+          <p:cNvSpPr>
+            <a:spLocks noGrp="1" noChangeArrowheads="1"/>
+          </p:cNvSpPr>
+          <p:nvPr>
+            <p:ph type="body" idx="1"/>
+          </p:nvPr>
+        </p:nvSpPr>
+        <p:spPr>
+          <a:noFill/>
+          <a:ln/>
+        </p:spPr>
+        <p:txBody>
+          <a:bodyPr/>
+          <a:lstStyle/>
+          <a:p>
+            <a:pPr eaLnBrk="1" hangingPunct="1"/>
+            <a:endParaRPr lang="de-DE" altLang="de-DE" dirty="0">
+              <a:latin typeface="Arial" pitchFamily="34" charset="0"/>
+            </a:endParaRPr>
+          </a:p>
+        </p:txBody>
+      </p:sp>
+    </p:spTree>
+    <p:extLst>
+      <p:ext uri="{BB962C8B-B14F-4D97-AF65-F5344CB8AC3E}">
+        <p14:creationId xmlns:p14="http://schemas.microsoft.com/office/powerpoint/2010/main" val="2902505216"/>
+      </p:ext>
+    </p:extLst>
+  </p:cSld>
+  <p:clrMapOvr>
+    <a:masterClrMapping/>
+  </p:clrMapOvr>
+</p:notes>
+</file>
+
+<file path=ppt/notesSlides/notesSlide17.xml><?xml version="1.0" encoding="utf-8"?>
+<p:notes xmlns:a="http://schemas.openxmlformats.org/drawingml/2006/main" xmlns:r="http://schemas.openxmlformats.org/officeDocument/2006/relationships" xmlns:p="http://schemas.openxmlformats.org/presentationml/2006/main">
+  <p:cSld>
+    <p:spTree>
+      <p:nvGrpSpPr>
+        <p:cNvPr id="1" name=""/>
+        <p:cNvGrpSpPr/>
+        <p:nvPr/>
+      </p:nvGrpSpPr>
+      <p:grpSpPr>
+        <a:xfrm>
+          <a:off x="0" y="0"/>
+          <a:ext cx="0" cy="0"/>
+          <a:chOff x="0" y="0"/>
+          <a:chExt cx="0" cy="0"/>
+        </a:xfrm>
+      </p:grpSpPr>
+      <p:sp>
+        <p:nvSpPr>
           <p:cNvPr id="18434" name="Rectangle 7"/>
           <p:cNvSpPr>
             <a:spLocks noGrp="1" noChangeArrowheads="1"/>
@@ -1997,7 +2105,7 @@
                 <a:cs typeface="Osaka"/>
               </a:rPr>
               <a:pPr/>
-              <a:t>17</a:t>
+              <a:t>18</a:t>
             </a:fld>
             <a:endParaRPr lang="de-DE" altLang="de-DE">
               <a:latin typeface="Arial" pitchFamily="34" charset="0"/>
@@ -2172,85 +2280,68 @@
       </p:grpSpPr>
       <p:sp>
         <p:nvSpPr>
-          <p:cNvPr id="15362" name="Rectangle 7"/>
+          <p:cNvPr id="2" name="Folienbildplatzhalter 1"/>
           <p:cNvSpPr>
-            <a:spLocks noGrp="1" noChangeArrowheads="1"/>
+            <a:spLocks noGrp="1" noRot="1" noChangeAspect="1"/>
           </p:cNvSpPr>
           <p:nvPr>
-            <p:ph type="sldNum" sz="quarter" idx="5"/>
-          </p:nvPr>
-        </p:nvSpPr>
-        <p:spPr>
-          <a:noFill/>
-        </p:spPr>
+            <p:ph type="sldImg"/>
+          </p:nvPr>
+        </p:nvSpPr>
+        <p:spPr/>
+      </p:sp>
+      <p:sp>
+        <p:nvSpPr>
+          <p:cNvPr id="3" name="Notizenplatzhalter 2"/>
+          <p:cNvSpPr>
+            <a:spLocks noGrp="1"/>
+          </p:cNvSpPr>
+          <p:nvPr>
+            <p:ph type="body" idx="1"/>
+          </p:nvPr>
+        </p:nvSpPr>
+        <p:spPr/>
         <p:txBody>
           <a:bodyPr/>
           <a:lstStyle/>
           <a:p>
-            <a:fld id="{505713DE-FB08-4F7F-B26A-D4CC4D7D0091}" type="slidenum">
-              <a:rPr lang="de-DE" altLang="de-DE" smtClean="0">
-                <a:latin typeface="Arial" pitchFamily="34" charset="0"/>
-                <a:ea typeface="Osaka"/>
-                <a:cs typeface="Osaka"/>
-              </a:rPr>
-              <a:pPr/>
-              <a:t>3</a:t>
-            </a:fld>
-            <a:endParaRPr lang="de-DE" altLang="de-DE">
-              <a:latin typeface="Arial" pitchFamily="34" charset="0"/>
-              <a:ea typeface="Osaka"/>
-              <a:cs typeface="Osaka"/>
-            </a:endParaRPr>
+            <a:endParaRPr lang="de-DE"/>
           </a:p>
         </p:txBody>
       </p:sp>
       <p:sp>
         <p:nvSpPr>
-          <p:cNvPr id="15363" name="Placeholder 2"/>
+          <p:cNvPr id="4" name="Foliennummernplatzhalter 3"/>
           <p:cNvSpPr>
-            <a:spLocks noGrp="1" noRot="1" noChangeAspect="1" noChangeArrowheads="1" noTextEdit="1"/>
+            <a:spLocks noGrp="1"/>
           </p:cNvSpPr>
           <p:nvPr>
-            <p:ph type="sldImg"/>
-          </p:nvPr>
-        </p:nvSpPr>
-        <p:spPr>
-          <a:xfrm>
-            <a:off x="381000" y="685800"/>
-            <a:ext cx="6096000" cy="3429000"/>
-          </a:xfrm>
-          <a:ln/>
-        </p:spPr>
-      </p:sp>
-      <p:sp>
-        <p:nvSpPr>
-          <p:cNvPr id="15364" name="Placeholder 3"/>
-          <p:cNvSpPr>
-            <a:spLocks noGrp="1" noChangeArrowheads="1"/>
-          </p:cNvSpPr>
-          <p:nvPr>
-            <p:ph type="body" idx="1"/>
-          </p:nvPr>
-        </p:nvSpPr>
-        <p:spPr>
-          <a:noFill/>
-          <a:ln/>
-        </p:spPr>
+            <p:ph type="sldNum" sz="quarter" idx="5"/>
+          </p:nvPr>
+        </p:nvSpPr>
+        <p:spPr/>
         <p:txBody>
           <a:bodyPr/>
           <a:lstStyle/>
           <a:p>
-            <a:pPr eaLnBrk="1" hangingPunct="1"/>
-            <a:endParaRPr lang="de-DE" altLang="de-DE" dirty="0">
-              <a:latin typeface="Arial" panose="020B0604020202020204" pitchFamily="34" charset="0"/>
-            </a:endParaRPr>
+            <a:pPr>
+              <a:defRPr/>
+            </a:pPr>
+            <a:fld id="{E94360AF-8CA9-4F38-9226-E7B3D4442EA4}" type="slidenum">
+              <a:rPr lang="de-DE" smtClean="0"/>
+              <a:pPr>
+                <a:defRPr/>
+              </a:pPr>
+              <a:t>3</a:t>
+            </a:fld>
+            <a:endParaRPr lang="de-DE"/>
           </a:p>
         </p:txBody>
       </p:sp>
     </p:spTree>
     <p:extLst>
       <p:ext uri="{BB962C8B-B14F-4D97-AF65-F5344CB8AC3E}">
-        <p14:creationId xmlns:p14="http://schemas.microsoft.com/office/powerpoint/2010/main" val="1227656706"/>
+        <p14:creationId xmlns:p14="http://schemas.microsoft.com/office/powerpoint/2010/main" val="605574352"/>
       </p:ext>
     </p:extLst>
   </p:cSld>
@@ -2349,7 +2440,7 @@
           <a:p>
             <a:pPr eaLnBrk="1" hangingPunct="1"/>
             <a:endParaRPr lang="de-DE" altLang="de-DE" dirty="0">
-              <a:latin typeface="Arial" pitchFamily="34" charset="0"/>
+              <a:latin typeface="Arial" panose="020B0604020202020204" pitchFamily="34" charset="0"/>
             </a:endParaRPr>
           </a:p>
         </p:txBody>
@@ -2357,7 +2448,7 @@
     </p:spTree>
     <p:extLst>
       <p:ext uri="{BB962C8B-B14F-4D97-AF65-F5344CB8AC3E}">
-        <p14:creationId xmlns:p14="http://schemas.microsoft.com/office/powerpoint/2010/main" val="3366549750"/>
+        <p14:creationId xmlns:p14="http://schemas.microsoft.com/office/powerpoint/2010/main" val="1227656706"/>
       </p:ext>
     </p:extLst>
   </p:cSld>
@@ -2464,7 +2555,7 @@
     </p:spTree>
     <p:extLst>
       <p:ext uri="{BB962C8B-B14F-4D97-AF65-F5344CB8AC3E}">
-        <p14:creationId xmlns:p14="http://schemas.microsoft.com/office/powerpoint/2010/main" val="4204203737"/>
+        <p14:creationId xmlns:p14="http://schemas.microsoft.com/office/powerpoint/2010/main" val="3366549750"/>
       </p:ext>
     </p:extLst>
   </p:cSld>
@@ -2571,7 +2662,7 @@
     </p:spTree>
     <p:extLst>
       <p:ext uri="{BB962C8B-B14F-4D97-AF65-F5344CB8AC3E}">
-        <p14:creationId xmlns:p14="http://schemas.microsoft.com/office/powerpoint/2010/main" val="372438697"/>
+        <p14:creationId xmlns:p14="http://schemas.microsoft.com/office/powerpoint/2010/main" val="4204203737"/>
       </p:ext>
     </p:extLst>
   </p:cSld>
@@ -2669,7 +2760,7 @@
           <a:lstStyle/>
           <a:p>
             <a:pPr eaLnBrk="1" hangingPunct="1"/>
-            <a:endParaRPr lang="de-DE" altLang="de-DE">
+            <a:endParaRPr lang="de-DE" altLang="de-DE" dirty="0">
               <a:latin typeface="Arial" pitchFamily="34" charset="0"/>
             </a:endParaRPr>
           </a:p>
@@ -2678,7 +2769,7 @@
     </p:spTree>
     <p:extLst>
       <p:ext uri="{BB962C8B-B14F-4D97-AF65-F5344CB8AC3E}">
-        <p14:creationId xmlns:p14="http://schemas.microsoft.com/office/powerpoint/2010/main" val="3767107403"/>
+        <p14:creationId xmlns:p14="http://schemas.microsoft.com/office/powerpoint/2010/main" val="372438697"/>
       </p:ext>
     </p:extLst>
   </p:cSld>
@@ -2785,7 +2876,7 @@
     </p:spTree>
     <p:extLst>
       <p:ext uri="{BB962C8B-B14F-4D97-AF65-F5344CB8AC3E}">
-        <p14:creationId xmlns:p14="http://schemas.microsoft.com/office/powerpoint/2010/main" val="2582469504"/>
+        <p14:creationId xmlns:p14="http://schemas.microsoft.com/office/powerpoint/2010/main" val="3767107403"/>
       </p:ext>
     </p:extLst>
   </p:cSld>
@@ -2883,7 +2974,7 @@
           <a:lstStyle/>
           <a:p>
             <a:pPr eaLnBrk="1" hangingPunct="1"/>
-            <a:endParaRPr lang="de-DE" altLang="de-DE" dirty="0">
+            <a:endParaRPr lang="de-DE" altLang="de-DE">
               <a:latin typeface="Arial" pitchFamily="34" charset="0"/>
             </a:endParaRPr>
           </a:p>
@@ -2892,7 +2983,7 @@
     </p:spTree>
     <p:extLst>
       <p:ext uri="{BB962C8B-B14F-4D97-AF65-F5344CB8AC3E}">
-        <p14:creationId xmlns:p14="http://schemas.microsoft.com/office/powerpoint/2010/main" val="1925987835"/>
+        <p14:creationId xmlns:p14="http://schemas.microsoft.com/office/powerpoint/2010/main" val="2582469504"/>
       </p:ext>
     </p:extLst>
   </p:cSld>
@@ -6239,7 +6330,7 @@
             </a:pPr>
             <a:r>
               <a:rPr lang="de-DE" altLang="de-DE" sz="2400" dirty="0"/>
-              <a:t>Beispielprogramm: ISBN Auflösung</a:t>
+              <a:t>Was wird benötigt?</a:t>
             </a:r>
           </a:p>
         </p:txBody>
@@ -6264,18 +6355,59 @@
           <a:bodyPr/>
           <a:lstStyle/>
           <a:p>
-            <a:r>
-              <a:rPr lang="de-DE" sz="2000" dirty="0"/>
-              <a:t>(Live Demonstration)</a:t>
-            </a:r>
-            <a:endParaRPr lang="en-US" sz="2000" dirty="0"/>
+            <a:pPr marL="457200" indent="-457200" eaLnBrk="1" hangingPunct="1">
+              <a:buFont typeface="+mj-lt"/>
+              <a:buAutoNum type="arabicPeriod"/>
+              <a:defRPr/>
+            </a:pPr>
+            <a:r>
+              <a:rPr lang="de-DE" altLang="de-DE" sz="2000" dirty="0"/>
+              <a:t>IBM i mit Node.js und NPM – kostenlos </a:t>
+            </a:r>
+          </a:p>
+          <a:p>
+            <a:pPr marL="457200" indent="-457200" eaLnBrk="1" hangingPunct="1">
+              <a:buFont typeface="+mj-lt"/>
+              <a:buAutoNum type="arabicPeriod"/>
+              <a:defRPr/>
+            </a:pPr>
+            <a:r>
+              <a:rPr lang="de-DE" altLang="de-DE" sz="2000" dirty="0"/>
+              <a:t>RPG Grundkenntnisse</a:t>
+            </a:r>
+          </a:p>
+          <a:p>
+            <a:pPr marL="457200" indent="-457200" eaLnBrk="1" hangingPunct="1">
+              <a:buFont typeface="+mj-lt"/>
+              <a:buAutoNum type="arabicPeriod"/>
+              <a:defRPr/>
+            </a:pPr>
+            <a:r>
+              <a:rPr lang="de-DE" altLang="de-DE" sz="2000" dirty="0"/>
+              <a:t>Profound.js – kostenlos über NPM verfügbar</a:t>
+            </a:r>
+          </a:p>
+          <a:p>
+            <a:pPr eaLnBrk="1" hangingPunct="1">
+              <a:defRPr/>
+            </a:pPr>
+            <a:endParaRPr lang="de-DE" altLang="de-DE" sz="2000" dirty="0"/>
+          </a:p>
+          <a:p>
+            <a:pPr eaLnBrk="1" hangingPunct="1">
+              <a:defRPr/>
+            </a:pPr>
+            <a:r>
+              <a:rPr lang="de-DE" altLang="de-DE" sz="2000" dirty="0"/>
+              <a:t>https://www.npmjs.com/package/profoundjs</a:t>
+            </a:r>
           </a:p>
         </p:txBody>
       </p:sp>
     </p:spTree>
     <p:extLst>
       <p:ext uri="{BB962C8B-B14F-4D97-AF65-F5344CB8AC3E}">
-        <p14:creationId xmlns:p14="http://schemas.microsoft.com/office/powerpoint/2010/main" val="2942563191"/>
+        <p14:creationId xmlns:p14="http://schemas.microsoft.com/office/powerpoint/2010/main" val="2328874216"/>
       </p:ext>
     </p:extLst>
   </p:cSld>
@@ -6327,6 +6459,94 @@
             </a:pPr>
             <a:r>
               <a:rPr lang="de-DE" altLang="de-DE" sz="2400" dirty="0"/>
+              <a:t>Beispielprogramm: ISBN Auflösung</a:t>
+            </a:r>
+          </a:p>
+        </p:txBody>
+      </p:sp>
+      <p:sp>
+        <p:nvSpPr>
+          <p:cNvPr id="9220" name="Rectangle 3"/>
+          <p:cNvSpPr>
+            <a:spLocks noGrp="1" noChangeArrowheads="1"/>
+          </p:cNvSpPr>
+          <p:nvPr>
+            <p:ph idx="1"/>
+          </p:nvPr>
+        </p:nvSpPr>
+        <p:spPr>
+          <a:xfrm>
+            <a:off x="1992314" y="1268414"/>
+            <a:ext cx="8207375" cy="4321175"/>
+          </a:xfrm>
+        </p:spPr>
+        <p:txBody>
+          <a:bodyPr/>
+          <a:lstStyle/>
+          <a:p>
+            <a:r>
+              <a:rPr lang="de-DE" sz="2000" dirty="0"/>
+              <a:t>(Live Demonstration)</a:t>
+            </a:r>
+            <a:endParaRPr lang="en-US" sz="2000" dirty="0"/>
+          </a:p>
+        </p:txBody>
+      </p:sp>
+    </p:spTree>
+    <p:extLst>
+      <p:ext uri="{BB962C8B-B14F-4D97-AF65-F5344CB8AC3E}">
+        <p14:creationId xmlns:p14="http://schemas.microsoft.com/office/powerpoint/2010/main" val="2942563191"/>
+      </p:ext>
+    </p:extLst>
+  </p:cSld>
+  <p:clrMapOvr>
+    <a:masterClrMapping/>
+  </p:clrMapOvr>
+</p:sld>
+</file>
+
+<file path=ppt/slides/slide12.xml><?xml version="1.0" encoding="utf-8"?>
+<p:sld xmlns:a="http://schemas.openxmlformats.org/drawingml/2006/main" xmlns:r="http://schemas.openxmlformats.org/officeDocument/2006/relationships" xmlns:p="http://schemas.openxmlformats.org/presentationml/2006/main">
+  <p:cSld>
+    <p:spTree>
+      <p:nvGrpSpPr>
+        <p:cNvPr id="1" name=""/>
+        <p:cNvGrpSpPr/>
+        <p:nvPr/>
+      </p:nvGrpSpPr>
+      <p:grpSpPr>
+        <a:xfrm>
+          <a:off x="0" y="0"/>
+          <a:ext cx="0" cy="0"/>
+          <a:chOff x="0" y="0"/>
+          <a:chExt cx="0" cy="0"/>
+        </a:xfrm>
+      </p:grpSpPr>
+      <p:sp>
+        <p:nvSpPr>
+          <p:cNvPr id="9219" name="Rectangle 2"/>
+          <p:cNvSpPr>
+            <a:spLocks noGrp="1" noChangeArrowheads="1"/>
+          </p:cNvSpPr>
+          <p:nvPr>
+            <p:ph type="title"/>
+          </p:nvPr>
+        </p:nvSpPr>
+        <p:spPr>
+          <a:xfrm>
+            <a:off x="1992314" y="333375"/>
+            <a:ext cx="8207375" cy="609600"/>
+          </a:xfrm>
+        </p:spPr>
+        <p:txBody>
+          <a:bodyPr anchor="t"/>
+          <a:lstStyle/>
+          <a:p>
+            <a:pPr eaLnBrk="1" hangingPunct="1">
+              <a:defRPr/>
+            </a:pPr>
+            <a:r>
+              <a:rPr lang="de-DE" altLang="de-DE" sz="2400" dirty="0"/>
               <a:t>Weitere Noderun.com Ideen</a:t>
             </a:r>
           </a:p>
@@ -6505,7 +6725,7 @@
 </p:sld>
 </file>
 
-<file path=ppt/slides/slide12.xml><?xml version="1.0" encoding="utf-8"?>
+<file path=ppt/slides/slide13.xml><?xml version="1.0" encoding="utf-8"?>
 <p:sld xmlns:a="http://schemas.openxmlformats.org/drawingml/2006/main" xmlns:r="http://schemas.openxmlformats.org/officeDocument/2006/relationships" xmlns:p="http://schemas.openxmlformats.org/presentationml/2006/main">
   <p:cSld>
     <p:spTree>
@@ -6619,7 +6839,7 @@
 </p:sld>
 </file>
 
-<file path=ppt/slides/slide13.xml><?xml version="1.0" encoding="utf-8"?>
+<file path=ppt/slides/slide14.xml><?xml version="1.0" encoding="utf-8"?>
 <p:sld xmlns:a="http://schemas.openxmlformats.org/drawingml/2006/main" xmlns:r="http://schemas.openxmlformats.org/officeDocument/2006/relationships" xmlns:p="http://schemas.openxmlformats.org/presentationml/2006/main">
   <p:cSld>
     <p:spTree>
@@ -6747,7 +6967,7 @@
 </p:sld>
 </file>
 
-<file path=ppt/slides/slide14.xml><?xml version="1.0" encoding="utf-8"?>
+<file path=ppt/slides/slide15.xml><?xml version="1.0" encoding="utf-8"?>
 <p:sld xmlns:a="http://schemas.openxmlformats.org/drawingml/2006/main" xmlns:r="http://schemas.openxmlformats.org/officeDocument/2006/relationships" xmlns:p="http://schemas.openxmlformats.org/presentationml/2006/main">
   <p:cSld>
     <p:spTree>
@@ -7162,94 +7382,6 @@
 </p:sld>
 </file>
 
-<file path=ppt/slides/slide15.xml><?xml version="1.0" encoding="utf-8"?>
-<p:sld xmlns:a="http://schemas.openxmlformats.org/drawingml/2006/main" xmlns:r="http://schemas.openxmlformats.org/officeDocument/2006/relationships" xmlns:p="http://schemas.openxmlformats.org/presentationml/2006/main">
-  <p:cSld>
-    <p:spTree>
-      <p:nvGrpSpPr>
-        <p:cNvPr id="1" name=""/>
-        <p:cNvGrpSpPr/>
-        <p:nvPr/>
-      </p:nvGrpSpPr>
-      <p:grpSpPr>
-        <a:xfrm>
-          <a:off x="0" y="0"/>
-          <a:ext cx="0" cy="0"/>
-          <a:chOff x="0" y="0"/>
-          <a:chExt cx="0" cy="0"/>
-        </a:xfrm>
-      </p:grpSpPr>
-      <p:sp>
-        <p:nvSpPr>
-          <p:cNvPr id="9219" name="Rectangle 2"/>
-          <p:cNvSpPr>
-            <a:spLocks noGrp="1" noChangeArrowheads="1"/>
-          </p:cNvSpPr>
-          <p:nvPr>
-            <p:ph type="title"/>
-          </p:nvPr>
-        </p:nvSpPr>
-        <p:spPr>
-          <a:xfrm>
-            <a:off x="1992314" y="333375"/>
-            <a:ext cx="8207375" cy="609600"/>
-          </a:xfrm>
-        </p:spPr>
-        <p:txBody>
-          <a:bodyPr anchor="t"/>
-          <a:lstStyle/>
-          <a:p>
-            <a:pPr eaLnBrk="1" hangingPunct="1">
-              <a:defRPr/>
-            </a:pPr>
-            <a:r>
-              <a:rPr lang="de-DE" altLang="de-DE" sz="2400" dirty="0"/>
-              <a:t>IBM i von lokaler Instanz ansprechen</a:t>
-            </a:r>
-          </a:p>
-        </p:txBody>
-      </p:sp>
-      <p:sp>
-        <p:nvSpPr>
-          <p:cNvPr id="9220" name="Rectangle 3"/>
-          <p:cNvSpPr>
-            <a:spLocks noGrp="1" noChangeArrowheads="1"/>
-          </p:cNvSpPr>
-          <p:nvPr>
-            <p:ph idx="1"/>
-          </p:nvPr>
-        </p:nvSpPr>
-        <p:spPr>
-          <a:xfrm>
-            <a:off x="1992314" y="1268414"/>
-            <a:ext cx="8207375" cy="4321175"/>
-          </a:xfrm>
-        </p:spPr>
-        <p:txBody>
-          <a:bodyPr/>
-          <a:lstStyle/>
-          <a:p>
-            <a:r>
-              <a:rPr lang="de-DE" sz="2000" dirty="0"/>
-              <a:t>(Live Demonstration)</a:t>
-            </a:r>
-            <a:endParaRPr lang="en-US" sz="2000" dirty="0"/>
-          </a:p>
-        </p:txBody>
-      </p:sp>
-    </p:spTree>
-    <p:extLst>
-      <p:ext uri="{BB962C8B-B14F-4D97-AF65-F5344CB8AC3E}">
-        <p14:creationId xmlns:p14="http://schemas.microsoft.com/office/powerpoint/2010/main" val="4228697257"/>
-      </p:ext>
-    </p:extLst>
-  </p:cSld>
-  <p:clrMapOvr>
-    <a:masterClrMapping/>
-  </p:clrMapOvr>
-</p:sld>
-</file>
-
 <file path=ppt/slides/slide16.xml><?xml version="1.0" encoding="utf-8"?>
 <p:sld xmlns:a="http://schemas.openxmlformats.org/drawingml/2006/main" xmlns:r="http://schemas.openxmlformats.org/officeDocument/2006/relationships" xmlns:p="http://schemas.openxmlformats.org/presentationml/2006/main">
   <p:cSld>
@@ -7292,6 +7424,94 @@
             </a:pPr>
             <a:r>
               <a:rPr lang="de-DE" altLang="de-DE" sz="2400" dirty="0"/>
+              <a:t>IBM i von lokaler Instanz ansprechen</a:t>
+            </a:r>
+          </a:p>
+        </p:txBody>
+      </p:sp>
+      <p:sp>
+        <p:nvSpPr>
+          <p:cNvPr id="9220" name="Rectangle 3"/>
+          <p:cNvSpPr>
+            <a:spLocks noGrp="1" noChangeArrowheads="1"/>
+          </p:cNvSpPr>
+          <p:nvPr>
+            <p:ph idx="1"/>
+          </p:nvPr>
+        </p:nvSpPr>
+        <p:spPr>
+          <a:xfrm>
+            <a:off x="1992314" y="1268414"/>
+            <a:ext cx="8207375" cy="4321175"/>
+          </a:xfrm>
+        </p:spPr>
+        <p:txBody>
+          <a:bodyPr/>
+          <a:lstStyle/>
+          <a:p>
+            <a:r>
+              <a:rPr lang="de-DE" sz="2000" dirty="0"/>
+              <a:t>(Live Demonstration)</a:t>
+            </a:r>
+            <a:endParaRPr lang="en-US" sz="2000" dirty="0"/>
+          </a:p>
+        </p:txBody>
+      </p:sp>
+    </p:spTree>
+    <p:extLst>
+      <p:ext uri="{BB962C8B-B14F-4D97-AF65-F5344CB8AC3E}">
+        <p14:creationId xmlns:p14="http://schemas.microsoft.com/office/powerpoint/2010/main" val="4228697257"/>
+      </p:ext>
+    </p:extLst>
+  </p:cSld>
+  <p:clrMapOvr>
+    <a:masterClrMapping/>
+  </p:clrMapOvr>
+</p:sld>
+</file>
+
+<file path=ppt/slides/slide17.xml><?xml version="1.0" encoding="utf-8"?>
+<p:sld xmlns:a="http://schemas.openxmlformats.org/drawingml/2006/main" xmlns:r="http://schemas.openxmlformats.org/officeDocument/2006/relationships" xmlns:p="http://schemas.openxmlformats.org/presentationml/2006/main">
+  <p:cSld>
+    <p:spTree>
+      <p:nvGrpSpPr>
+        <p:cNvPr id="1" name=""/>
+        <p:cNvGrpSpPr/>
+        <p:nvPr/>
+      </p:nvGrpSpPr>
+      <p:grpSpPr>
+        <a:xfrm>
+          <a:off x="0" y="0"/>
+          <a:ext cx="0" cy="0"/>
+          <a:chOff x="0" y="0"/>
+          <a:chExt cx="0" cy="0"/>
+        </a:xfrm>
+      </p:grpSpPr>
+      <p:sp>
+        <p:nvSpPr>
+          <p:cNvPr id="9219" name="Rectangle 2"/>
+          <p:cNvSpPr>
+            <a:spLocks noGrp="1" noChangeArrowheads="1"/>
+          </p:cNvSpPr>
+          <p:nvPr>
+            <p:ph type="title"/>
+          </p:nvPr>
+        </p:nvSpPr>
+        <p:spPr>
+          <a:xfrm>
+            <a:off x="1992314" y="333375"/>
+            <a:ext cx="8207375" cy="609600"/>
+          </a:xfrm>
+        </p:spPr>
+        <p:txBody>
+          <a:bodyPr anchor="t"/>
+          <a:lstStyle/>
+          <a:p>
+            <a:pPr eaLnBrk="1" hangingPunct="1">
+              <a:defRPr/>
+            </a:pPr>
+            <a:r>
+              <a:rPr lang="de-DE" altLang="de-DE" sz="2400" dirty="0"/>
               <a:t>Lokalen Service von der IBM i ansprechen</a:t>
             </a:r>
           </a:p>
@@ -7338,7 +7558,7 @@
 </p:sld>
 </file>
 
-<file path=ppt/slides/slide17.xml><?xml version="1.0" encoding="utf-8"?>
+<file path=ppt/slides/slide18.xml><?xml version="1.0" encoding="utf-8"?>
 <p:sld xmlns:a="http://schemas.openxmlformats.org/drawingml/2006/main" xmlns:r="http://schemas.openxmlformats.org/officeDocument/2006/relationships" xmlns:p="http://schemas.openxmlformats.org/presentationml/2006/main">
   <p:cSld>
     <p:spTree>
@@ -7771,6 +7991,95 @@
 </file>
 
 <file path=ppt/slides/slide3.xml><?xml version="1.0" encoding="utf-8"?>
+<p:sld xmlns:a="http://schemas.openxmlformats.org/drawingml/2006/main" xmlns:r="http://schemas.openxmlformats.org/officeDocument/2006/relationships" xmlns:p="http://schemas.openxmlformats.org/presentationml/2006/main">
+  <p:cSld>
+    <p:spTree>
+      <p:nvGrpSpPr>
+        <p:cNvPr id="1" name=""/>
+        <p:cNvGrpSpPr/>
+        <p:nvPr/>
+      </p:nvGrpSpPr>
+      <p:grpSpPr>
+        <a:xfrm>
+          <a:off x="0" y="0"/>
+          <a:ext cx="0" cy="0"/>
+          <a:chOff x="0" y="0"/>
+          <a:chExt cx="0" cy="0"/>
+        </a:xfrm>
+      </p:grpSpPr>
+      <p:pic>
+        <p:nvPicPr>
+          <p:cNvPr id="5" name="Inhaltsplatzhalter 4">
+            <a:extLst>
+              <a:ext uri="{FF2B5EF4-FFF2-40B4-BE49-F238E27FC236}">
+                <a16:creationId xmlns:a16="http://schemas.microsoft.com/office/drawing/2014/main" id="{AE4D9693-0708-4997-9F08-FEA08B8BC124}"/>
+              </a:ext>
+            </a:extLst>
+          </p:cNvPr>
+          <p:cNvPicPr>
+            <a:picLocks noGrp="1" noChangeAspect="1"/>
+          </p:cNvPicPr>
+          <p:nvPr>
+            <p:ph idx="1"/>
+          </p:nvPr>
+        </p:nvPicPr>
+        <p:blipFill>
+          <a:blip r:embed="rId3"/>
+          <a:stretch>
+            <a:fillRect/>
+          </a:stretch>
+        </p:blipFill>
+        <p:spPr>
+          <a:xfrm>
+            <a:off x="1919536" y="468490"/>
+            <a:ext cx="3509804" cy="2276385"/>
+          </a:xfrm>
+        </p:spPr>
+      </p:pic>
+      <p:pic>
+        <p:nvPicPr>
+          <p:cNvPr id="7" name="Grafik 6">
+            <a:extLst>
+              <a:ext uri="{FF2B5EF4-FFF2-40B4-BE49-F238E27FC236}">
+                <a16:creationId xmlns:a16="http://schemas.microsoft.com/office/drawing/2014/main" id="{67A65291-3230-4243-B913-A4FFED83EC34}"/>
+              </a:ext>
+            </a:extLst>
+          </p:cNvPr>
+          <p:cNvPicPr>
+            <a:picLocks noChangeAspect="1"/>
+          </p:cNvPicPr>
+          <p:nvPr/>
+        </p:nvPicPr>
+        <p:blipFill>
+          <a:blip r:embed="rId4"/>
+          <a:stretch>
+            <a:fillRect/>
+          </a:stretch>
+        </p:blipFill>
+        <p:spPr>
+          <a:xfrm>
+            <a:off x="4774254" y="2780928"/>
+            <a:ext cx="5735960" cy="1844809"/>
+          </a:xfrm>
+          <a:prstGeom prst="rect">
+            <a:avLst/>
+          </a:prstGeom>
+        </p:spPr>
+      </p:pic>
+    </p:spTree>
+    <p:extLst>
+      <p:ext uri="{BB962C8B-B14F-4D97-AF65-F5344CB8AC3E}">
+        <p14:creationId xmlns:p14="http://schemas.microsoft.com/office/powerpoint/2010/main" val="3776965630"/>
+      </p:ext>
+    </p:extLst>
+  </p:cSld>
+  <p:clrMapOvr>
+    <a:masterClrMapping/>
+  </p:clrMapOvr>
+</p:sld>
+</file>
+
+<file path=ppt/slides/slide4.xml><?xml version="1.0" encoding="utf-8"?>
 <p:sld xmlns:a="http://schemas.openxmlformats.org/drawingml/2006/main" xmlns:r="http://schemas.openxmlformats.org/officeDocument/2006/relationships" xmlns:p="http://schemas.openxmlformats.org/presentationml/2006/main">
   <p:cSld>
     <p:spTree>
@@ -8390,7 +8699,7 @@
 </p:sld>
 </file>
 
-<file path=ppt/slides/slide4.xml><?xml version="1.0" encoding="utf-8"?>
+<file path=ppt/slides/slide5.xml><?xml version="1.0" encoding="utf-8"?>
 <p:sld xmlns:a="http://schemas.openxmlformats.org/drawingml/2006/main" xmlns:r="http://schemas.openxmlformats.org/officeDocument/2006/relationships" xmlns:p="http://schemas.openxmlformats.org/presentationml/2006/main">
   <p:cSld>
     <p:spTree>
@@ -8557,7 +8866,7 @@
 </p:sld>
 </file>
 
-<file path=ppt/slides/slide5.xml><?xml version="1.0" encoding="utf-8"?>
+<file path=ppt/slides/slide6.xml><?xml version="1.0" encoding="utf-8"?>
 <p:sld xmlns:a="http://schemas.openxmlformats.org/drawingml/2006/main" xmlns:r="http://schemas.openxmlformats.org/officeDocument/2006/relationships" xmlns:p="http://schemas.openxmlformats.org/presentationml/2006/main">
   <p:cSld>
     <p:spTree>
@@ -8877,7 +9186,7 @@
 </p:sld>
 </file>
 
-<file path=ppt/slides/slide6.xml><?xml version="1.0" encoding="utf-8"?>
+<file path=ppt/slides/slide7.xml><?xml version="1.0" encoding="utf-8"?>
 <p:sld xmlns:a="http://schemas.openxmlformats.org/drawingml/2006/main" xmlns:r="http://schemas.openxmlformats.org/officeDocument/2006/relationships" xmlns:p="http://schemas.openxmlformats.org/presentationml/2006/main">
   <p:cSld>
     <p:spTree>
@@ -8983,7 +9292,7 @@
 </p:sld>
 </file>
 
-<file path=ppt/slides/slide7.xml><?xml version="1.0" encoding="utf-8"?>
+<file path=ppt/slides/slide8.xml><?xml version="1.0" encoding="utf-8"?>
 <p:sld xmlns:a="http://schemas.openxmlformats.org/drawingml/2006/main" xmlns:r="http://schemas.openxmlformats.org/officeDocument/2006/relationships" xmlns:p="http://schemas.openxmlformats.org/presentationml/2006/main">
   <p:cSld>
     <p:spTree>
@@ -9149,7 +9458,7 @@
 </p:sld>
 </file>
 
-<file path=ppt/slides/slide8.xml><?xml version="1.0" encoding="utf-8"?>
+<file path=ppt/slides/slide9.xml><?xml version="1.0" encoding="utf-8"?>
 <p:sld xmlns:a="http://schemas.openxmlformats.org/drawingml/2006/main" xmlns:r="http://schemas.openxmlformats.org/officeDocument/2006/relationships" xmlns:p="http://schemas.openxmlformats.org/presentationml/2006/main">
   <p:cSld>
     <p:spTree>
@@ -9233,135 +9542,6 @@
     <p:extLst>
       <p:ext uri="{BB962C8B-B14F-4D97-AF65-F5344CB8AC3E}">
         <p14:creationId xmlns:p14="http://schemas.microsoft.com/office/powerpoint/2010/main" val="2199498119"/>
-      </p:ext>
-    </p:extLst>
-  </p:cSld>
-  <p:clrMapOvr>
-    <a:masterClrMapping/>
-  </p:clrMapOvr>
-</p:sld>
-</file>
-
-<file path=ppt/slides/slide9.xml><?xml version="1.0" encoding="utf-8"?>
-<p:sld xmlns:a="http://schemas.openxmlformats.org/drawingml/2006/main" xmlns:r="http://schemas.openxmlformats.org/officeDocument/2006/relationships" xmlns:p="http://schemas.openxmlformats.org/presentationml/2006/main">
-  <p:cSld>
-    <p:spTree>
-      <p:nvGrpSpPr>
-        <p:cNvPr id="1" name=""/>
-        <p:cNvGrpSpPr/>
-        <p:nvPr/>
-      </p:nvGrpSpPr>
-      <p:grpSpPr>
-        <a:xfrm>
-          <a:off x="0" y="0"/>
-          <a:ext cx="0" cy="0"/>
-          <a:chOff x="0" y="0"/>
-          <a:chExt cx="0" cy="0"/>
-        </a:xfrm>
-      </p:grpSpPr>
-      <p:sp>
-        <p:nvSpPr>
-          <p:cNvPr id="9219" name="Rectangle 2"/>
-          <p:cNvSpPr>
-            <a:spLocks noGrp="1" noChangeArrowheads="1"/>
-          </p:cNvSpPr>
-          <p:nvPr>
-            <p:ph type="title"/>
-          </p:nvPr>
-        </p:nvSpPr>
-        <p:spPr>
-          <a:xfrm>
-            <a:off x="1992314" y="333375"/>
-            <a:ext cx="8207375" cy="609600"/>
-          </a:xfrm>
-        </p:spPr>
-        <p:txBody>
-          <a:bodyPr anchor="t"/>
-          <a:lstStyle/>
-          <a:p>
-            <a:pPr eaLnBrk="1" hangingPunct="1">
-              <a:defRPr/>
-            </a:pPr>
-            <a:r>
-              <a:rPr lang="de-DE" altLang="de-DE" sz="2400" dirty="0"/>
-              <a:t>Was wird benötigt?</a:t>
-            </a:r>
-          </a:p>
-        </p:txBody>
-      </p:sp>
-      <p:sp>
-        <p:nvSpPr>
-          <p:cNvPr id="9220" name="Rectangle 3"/>
-          <p:cNvSpPr>
-            <a:spLocks noGrp="1" noChangeArrowheads="1"/>
-          </p:cNvSpPr>
-          <p:nvPr>
-            <p:ph idx="1"/>
-          </p:nvPr>
-        </p:nvSpPr>
-        <p:spPr>
-          <a:xfrm>
-            <a:off x="1992314" y="1268414"/>
-            <a:ext cx="8207375" cy="4321175"/>
-          </a:xfrm>
-        </p:spPr>
-        <p:txBody>
-          <a:bodyPr/>
-          <a:lstStyle/>
-          <a:p>
-            <a:pPr marL="457200" indent="-457200" eaLnBrk="1" hangingPunct="1">
-              <a:buFont typeface="+mj-lt"/>
-              <a:buAutoNum type="arabicPeriod"/>
-              <a:defRPr/>
-            </a:pPr>
-            <a:r>
-              <a:rPr lang="de-DE" altLang="de-DE" sz="2000" dirty="0"/>
-              <a:t>IBM i mit Node.js und NPM – kostenlos </a:t>
-            </a:r>
-          </a:p>
-          <a:p>
-            <a:pPr marL="457200" indent="-457200" eaLnBrk="1" hangingPunct="1">
-              <a:buFont typeface="+mj-lt"/>
-              <a:buAutoNum type="arabicPeriod"/>
-              <a:defRPr/>
-            </a:pPr>
-            <a:r>
-              <a:rPr lang="de-DE" altLang="de-DE" sz="2000" dirty="0"/>
-              <a:t>RPG Grundkenntnisse</a:t>
-            </a:r>
-          </a:p>
-          <a:p>
-            <a:pPr marL="457200" indent="-457200" eaLnBrk="1" hangingPunct="1">
-              <a:buFont typeface="+mj-lt"/>
-              <a:buAutoNum type="arabicPeriod"/>
-              <a:defRPr/>
-            </a:pPr>
-            <a:r>
-              <a:rPr lang="de-DE" altLang="de-DE" sz="2000" dirty="0"/>
-              <a:t>Profound.js – kostenlos über NPM verfügbar</a:t>
-            </a:r>
-          </a:p>
-          <a:p>
-            <a:pPr eaLnBrk="1" hangingPunct="1">
-              <a:defRPr/>
-            </a:pPr>
-            <a:endParaRPr lang="de-DE" altLang="de-DE" sz="2000" dirty="0"/>
-          </a:p>
-          <a:p>
-            <a:pPr eaLnBrk="1" hangingPunct="1">
-              <a:defRPr/>
-            </a:pPr>
-            <a:r>
-              <a:rPr lang="de-DE" altLang="de-DE" sz="2000" dirty="0"/>
-              <a:t>https://www.npmjs.com/package/profoundjs</a:t>
-            </a:r>
-          </a:p>
-        </p:txBody>
-      </p:sp>
-    </p:spTree>
-    <p:extLst>
-      <p:ext uri="{BB962C8B-B14F-4D97-AF65-F5344CB8AC3E}">
-        <p14:creationId xmlns:p14="http://schemas.microsoft.com/office/powerpoint/2010/main" val="2328874216"/>
       </p:ext>
     </p:extLst>
   </p:cSld>

--- a/Hybrid-Cloud-Lösung mit RPG.pptx
+++ b/Hybrid-Cloud-Lösung mit RPG.pptx
@@ -9274,7 +9274,15 @@
             </a:pPr>
             <a:r>
               <a:rPr lang="de-DE" altLang="de-DE" sz="2000" dirty="0"/>
-              <a:t>Wie kann man diese beiden Wellten vereinen?</a:t>
+              <a:t>Wie kann man diese </a:t>
+            </a:r>
+            <a:r>
+              <a:rPr lang="de-DE" altLang="de-DE" sz="2000"/>
+              <a:t>beiden Welten </a:t>
+            </a:r>
+            <a:r>
+              <a:rPr lang="de-DE" altLang="de-DE" sz="2000" dirty="0"/>
+              <a:t>vereinen?</a:t>
             </a:r>
           </a:p>
         </p:txBody>

--- a/Hybrid-Cloud-Lösung mit RPG.pptx
+++ b/Hybrid-Cloud-Lösung mit RPG.pptx
@@ -26,8 +26,8 @@
     <p:sldId id="282" r:id="rId14"/>
     <p:sldId id="289" r:id="rId15"/>
     <p:sldId id="284" r:id="rId16"/>
-    <p:sldId id="285" r:id="rId17"/>
-    <p:sldId id="286" r:id="rId18"/>
+    <p:sldId id="291" r:id="rId17"/>
+    <p:sldId id="292" r:id="rId18"/>
     <p:sldId id="287" r:id="rId19"/>
   </p:sldIdLst>
   <p:sldSz cx="12192000" cy="6858000"/>
@@ -2046,7 +2046,7 @@
           <a:p>
             <a:pPr eaLnBrk="1" hangingPunct="1"/>
             <a:endParaRPr lang="de-DE" altLang="de-DE" dirty="0">
-              <a:latin typeface="Arial" pitchFamily="34" charset="0"/>
+              <a:latin typeface="Arial" panose="020B0604020202020204" pitchFamily="34" charset="0"/>
             </a:endParaRPr>
           </a:p>
         </p:txBody>
@@ -2054,7 +2054,7 @@
     </p:spTree>
     <p:extLst>
       <p:ext uri="{BB962C8B-B14F-4D97-AF65-F5344CB8AC3E}">
-        <p14:creationId xmlns:p14="http://schemas.microsoft.com/office/powerpoint/2010/main" val="2902505216"/>
+        <p14:creationId xmlns:p14="http://schemas.microsoft.com/office/powerpoint/2010/main" val="735491477"/>
       </p:ext>
     </p:extLst>
   </p:cSld>
@@ -7411,7 +7411,7 @@
         </p:nvSpPr>
         <p:spPr>
           <a:xfrm>
-            <a:off x="1992314" y="333375"/>
+            <a:off x="695400" y="395820"/>
             <a:ext cx="8207375" cy="609600"/>
           </a:xfrm>
         </p:spPr>
@@ -7425,6 +7425,661 @@
             <a:r>
               <a:rPr lang="de-DE" altLang="de-DE" sz="2400" dirty="0"/>
               <a:t>IBM i von lokaler Instanz ansprechen</a:t>
+            </a:r>
+          </a:p>
+        </p:txBody>
+      </p:sp>
+      <p:pic>
+        <p:nvPicPr>
+          <p:cNvPr id="3" name="Grafik 2" descr="Laptop">
+            <a:extLst>
+              <a:ext uri="{FF2B5EF4-FFF2-40B4-BE49-F238E27FC236}">
+                <a16:creationId xmlns:a16="http://schemas.microsoft.com/office/drawing/2014/main" id="{2CF06326-2462-4E9B-9FE2-9809F2E06890}"/>
+              </a:ext>
+            </a:extLst>
+          </p:cNvPr>
+          <p:cNvPicPr>
+            <a:picLocks noChangeAspect="1"/>
+          </p:cNvPicPr>
+          <p:nvPr/>
+        </p:nvPicPr>
+        <p:blipFill>
+          <a:blip r:embed="rId3">
+            <a:extLst>
+              <a:ext uri="{96DAC541-7B7A-43D3-8B79-37D633B846F1}">
+                <asvg:svgBlip xmlns:asvg="http://schemas.microsoft.com/office/drawing/2016/SVG/main" r:embed="rId4"/>
+              </a:ext>
+            </a:extLst>
+          </a:blip>
+          <a:stretch>
+            <a:fillRect/>
+          </a:stretch>
+        </p:blipFill>
+        <p:spPr>
+          <a:xfrm>
+            <a:off x="2639616" y="907200"/>
+            <a:ext cx="2376264" cy="2376264"/>
+          </a:xfrm>
+          <a:prstGeom prst="rect">
+            <a:avLst/>
+          </a:prstGeom>
+        </p:spPr>
+      </p:pic>
+      <p:pic>
+        <p:nvPicPr>
+          <p:cNvPr id="6" name="Grafik 5" descr="Computer">
+            <a:extLst>
+              <a:ext uri="{FF2B5EF4-FFF2-40B4-BE49-F238E27FC236}">
+                <a16:creationId xmlns:a16="http://schemas.microsoft.com/office/drawing/2014/main" id="{57E5F2E6-888F-4C34-BCFB-4107347ABB3C}"/>
+              </a:ext>
+            </a:extLst>
+          </p:cNvPr>
+          <p:cNvPicPr>
+            <a:picLocks noChangeAspect="1"/>
+          </p:cNvPicPr>
+          <p:nvPr/>
+        </p:nvPicPr>
+        <p:blipFill>
+          <a:blip r:embed="rId5">
+            <a:extLst>
+              <a:ext uri="{96DAC541-7B7A-43D3-8B79-37D633B846F1}">
+                <asvg:svgBlip xmlns:asvg="http://schemas.microsoft.com/office/drawing/2016/SVG/main" r:embed="rId6"/>
+              </a:ext>
+            </a:extLst>
+          </a:blip>
+          <a:stretch>
+            <a:fillRect/>
+          </a:stretch>
+        </p:blipFill>
+        <p:spPr>
+          <a:xfrm>
+            <a:off x="7837227" y="967694"/>
+            <a:ext cx="2376265" cy="2245284"/>
+          </a:xfrm>
+          <a:prstGeom prst="rect">
+            <a:avLst/>
+          </a:prstGeom>
+        </p:spPr>
+      </p:pic>
+      <p:sp>
+        <p:nvSpPr>
+          <p:cNvPr id="9" name="Rectangle 3">
+            <a:extLst>
+              <a:ext uri="{FF2B5EF4-FFF2-40B4-BE49-F238E27FC236}">
+                <a16:creationId xmlns:a16="http://schemas.microsoft.com/office/drawing/2014/main" id="{80944784-6FF3-4D0C-8523-103E307EB039}"/>
+              </a:ext>
+            </a:extLst>
+          </p:cNvPr>
+          <p:cNvSpPr txBox="1">
+            <a:spLocks noChangeArrowheads="1"/>
+          </p:cNvSpPr>
+          <p:nvPr/>
+        </p:nvSpPr>
+        <p:spPr>
+          <a:xfrm>
+            <a:off x="7837226" y="2840987"/>
+            <a:ext cx="2376265" cy="1812149"/>
+          </a:xfrm>
+          <a:prstGeom prst="rect">
+            <a:avLst/>
+          </a:prstGeom>
+        </p:spPr>
+        <p:txBody>
+          <a:bodyPr/>
+          <a:lstStyle>
+            <a:lvl1pPr marL="342900" indent="-342900" algn="l" rtl="0" eaLnBrk="0" fontAlgn="base" hangingPunct="0">
+              <a:spcBef>
+                <a:spcPct val="20000"/>
+              </a:spcBef>
+              <a:spcAft>
+                <a:spcPct val="0"/>
+              </a:spcAft>
+              <a:defRPr sz="2400">
+                <a:solidFill>
+                  <a:schemeClr val="tx1">
+                    <a:lumMod val="50000"/>
+                    <a:lumOff val="50000"/>
+                  </a:schemeClr>
+                </a:solidFill>
+                <a:latin typeface="Trebuchet MS" pitchFamily="34" charset="0"/>
+                <a:ea typeface="+mn-ea"/>
+                <a:cs typeface="Calibri" pitchFamily="34" charset="0"/>
+              </a:defRPr>
+            </a:lvl1pPr>
+            <a:lvl2pPr marL="742950" indent="-285750" algn="l" rtl="0" eaLnBrk="0" fontAlgn="base" hangingPunct="0">
+              <a:spcBef>
+                <a:spcPct val="20000"/>
+              </a:spcBef>
+              <a:spcAft>
+                <a:spcPct val="0"/>
+              </a:spcAft>
+              <a:buClr>
+                <a:srgbClr val="D12821"/>
+              </a:buClr>
+              <a:buFont typeface="Wingdings" pitchFamily="2" charset="2"/>
+              <a:buChar char="Ø"/>
+              <a:defRPr sz="2400">
+                <a:solidFill>
+                  <a:schemeClr val="tx1">
+                    <a:lumMod val="50000"/>
+                    <a:lumOff val="50000"/>
+                  </a:schemeClr>
+                </a:solidFill>
+                <a:latin typeface="DIN" pitchFamily="50" charset="0"/>
+                <a:ea typeface="+mn-ea"/>
+                <a:cs typeface="Calibri" pitchFamily="34" charset="0"/>
+              </a:defRPr>
+            </a:lvl2pPr>
+            <a:lvl3pPr marL="1143000" indent="-228600" algn="l" rtl="0" eaLnBrk="0" fontAlgn="base" hangingPunct="0">
+              <a:spcBef>
+                <a:spcPct val="20000"/>
+              </a:spcBef>
+              <a:spcAft>
+                <a:spcPct val="0"/>
+              </a:spcAft>
+              <a:buClr>
+                <a:srgbClr val="006BAD"/>
+              </a:buClr>
+              <a:buFont typeface="Wingdings" pitchFamily="2" charset="2"/>
+              <a:buChar char="§"/>
+              <a:defRPr sz="2200">
+                <a:solidFill>
+                  <a:schemeClr val="tx1">
+                    <a:lumMod val="50000"/>
+                    <a:lumOff val="50000"/>
+                  </a:schemeClr>
+                </a:solidFill>
+                <a:latin typeface="DIN" pitchFamily="50" charset="0"/>
+                <a:ea typeface="+mn-ea"/>
+                <a:cs typeface="Calibri" pitchFamily="34" charset="0"/>
+              </a:defRPr>
+            </a:lvl3pPr>
+            <a:lvl4pPr marL="1714500" indent="-342900" algn="l" rtl="0" eaLnBrk="0" fontAlgn="base" hangingPunct="0">
+              <a:spcBef>
+                <a:spcPct val="20000"/>
+              </a:spcBef>
+              <a:spcAft>
+                <a:spcPct val="0"/>
+              </a:spcAft>
+              <a:buClr>
+                <a:srgbClr val="0281C9"/>
+              </a:buClr>
+              <a:buFont typeface="Arial" panose="020B0604020202020204" pitchFamily="34" charset="0"/>
+              <a:buChar char="•"/>
+              <a:defRPr sz="2000">
+                <a:solidFill>
+                  <a:schemeClr val="tx1">
+                    <a:lumMod val="50000"/>
+                    <a:lumOff val="50000"/>
+                  </a:schemeClr>
+                </a:solidFill>
+                <a:latin typeface="DIN" pitchFamily="50" charset="0"/>
+                <a:ea typeface="+mn-ea"/>
+                <a:cs typeface="Calibri" pitchFamily="34" charset="0"/>
+              </a:defRPr>
+            </a:lvl4pPr>
+            <a:lvl5pPr marL="2114550" indent="-285750" algn="l" rtl="0" eaLnBrk="0" fontAlgn="base" hangingPunct="0">
+              <a:spcBef>
+                <a:spcPct val="20000"/>
+              </a:spcBef>
+              <a:spcAft>
+                <a:spcPct val="0"/>
+              </a:spcAft>
+              <a:buClr>
+                <a:srgbClr val="74BAE2"/>
+              </a:buClr>
+              <a:buFont typeface="Courier New" panose="02070309020205020404" pitchFamily="49" charset="0"/>
+              <a:buChar char="o"/>
+              <a:defRPr sz="1800">
+                <a:solidFill>
+                  <a:schemeClr val="tx1">
+                    <a:lumMod val="50000"/>
+                    <a:lumOff val="50000"/>
+                  </a:schemeClr>
+                </a:solidFill>
+                <a:latin typeface="DIN" pitchFamily="50" charset="0"/>
+                <a:ea typeface="+mn-ea"/>
+                <a:cs typeface="Calibri" pitchFamily="34" charset="0"/>
+              </a:defRPr>
+            </a:lvl5pPr>
+            <a:lvl6pPr marL="2514600" indent="-228600" algn="l" rtl="0" fontAlgn="base">
+              <a:spcBef>
+                <a:spcPct val="20000"/>
+              </a:spcBef>
+              <a:spcAft>
+                <a:spcPct val="0"/>
+              </a:spcAft>
+              <a:buClr>
+                <a:srgbClr val="74BAE2"/>
+              </a:buClr>
+              <a:buFont typeface="Times" charset="0"/>
+              <a:buChar char="•"/>
+              <a:defRPr sz="1600">
+                <a:solidFill>
+                  <a:schemeClr val="tx1"/>
+                </a:solidFill>
+                <a:latin typeface="+mn-lt"/>
+                <a:ea typeface="+mn-ea"/>
+                <a:cs typeface="+mn-cs"/>
+              </a:defRPr>
+            </a:lvl6pPr>
+            <a:lvl7pPr marL="2971800" indent="-228600" algn="l" rtl="0" fontAlgn="base">
+              <a:spcBef>
+                <a:spcPct val="20000"/>
+              </a:spcBef>
+              <a:spcAft>
+                <a:spcPct val="0"/>
+              </a:spcAft>
+              <a:buClr>
+                <a:srgbClr val="74BAE2"/>
+              </a:buClr>
+              <a:buFont typeface="Times" charset="0"/>
+              <a:buChar char="•"/>
+              <a:defRPr sz="1600">
+                <a:solidFill>
+                  <a:schemeClr val="tx1"/>
+                </a:solidFill>
+                <a:latin typeface="+mn-lt"/>
+                <a:ea typeface="+mn-ea"/>
+                <a:cs typeface="+mn-cs"/>
+              </a:defRPr>
+            </a:lvl7pPr>
+            <a:lvl8pPr marL="3429000" indent="-228600" algn="l" rtl="0" fontAlgn="base">
+              <a:spcBef>
+                <a:spcPct val="20000"/>
+              </a:spcBef>
+              <a:spcAft>
+                <a:spcPct val="0"/>
+              </a:spcAft>
+              <a:buClr>
+                <a:srgbClr val="74BAE2"/>
+              </a:buClr>
+              <a:buFont typeface="Times" charset="0"/>
+              <a:buChar char="•"/>
+              <a:defRPr sz="1600">
+                <a:solidFill>
+                  <a:schemeClr val="tx1"/>
+                </a:solidFill>
+                <a:latin typeface="+mn-lt"/>
+                <a:ea typeface="+mn-ea"/>
+                <a:cs typeface="+mn-cs"/>
+              </a:defRPr>
+            </a:lvl8pPr>
+            <a:lvl9pPr marL="3886200" indent="-228600" algn="l" rtl="0" fontAlgn="base">
+              <a:spcBef>
+                <a:spcPct val="20000"/>
+              </a:spcBef>
+              <a:spcAft>
+                <a:spcPct val="0"/>
+              </a:spcAft>
+              <a:buClr>
+                <a:srgbClr val="74BAE2"/>
+              </a:buClr>
+              <a:buFont typeface="Times" charset="0"/>
+              <a:buChar char="•"/>
+              <a:defRPr sz="1600">
+                <a:solidFill>
+                  <a:schemeClr val="tx1"/>
+                </a:solidFill>
+                <a:latin typeface="+mn-lt"/>
+                <a:ea typeface="+mn-ea"/>
+                <a:cs typeface="+mn-cs"/>
+              </a:defRPr>
+            </a:lvl9pPr>
+          </a:lstStyle>
+          <a:p>
+            <a:pPr algn="ctr"/>
+            <a:r>
+              <a:rPr lang="de-DE" sz="2000" kern="0" dirty="0"/>
+              <a:t>IBM i</a:t>
+            </a:r>
+          </a:p>
+          <a:p>
+            <a:pPr>
+              <a:buFontTx/>
+              <a:buChar char="-"/>
+            </a:pPr>
+            <a:r>
+              <a:rPr lang="de-DE" sz="2000" kern="0" dirty="0"/>
+              <a:t>SQL-</a:t>
+            </a:r>
+            <a:r>
+              <a:rPr lang="de-DE" sz="2000" kern="0" dirty="0" err="1"/>
+              <a:t>Querys</a:t>
+            </a:r>
+            <a:endParaRPr lang="de-DE" sz="2000" kern="0" dirty="0"/>
+          </a:p>
+          <a:p>
+            <a:pPr>
+              <a:buFontTx/>
+              <a:buChar char="-"/>
+            </a:pPr>
+            <a:r>
+              <a:rPr lang="de-DE" sz="2000" kern="0" dirty="0"/>
+              <a:t>Commands</a:t>
+            </a:r>
+          </a:p>
+          <a:p>
+            <a:pPr>
+              <a:buFontTx/>
+              <a:buChar char="-"/>
+            </a:pPr>
+            <a:r>
+              <a:rPr lang="de-DE" sz="2000" kern="0" dirty="0"/>
+              <a:t>RPG-Programme</a:t>
+            </a:r>
+          </a:p>
+        </p:txBody>
+      </p:sp>
+      <p:sp>
+        <p:nvSpPr>
+          <p:cNvPr id="15" name="Pfeil: nach rechts 14">
+            <a:extLst>
+              <a:ext uri="{FF2B5EF4-FFF2-40B4-BE49-F238E27FC236}">
+                <a16:creationId xmlns:a16="http://schemas.microsoft.com/office/drawing/2014/main" id="{F64D9C7A-CA3D-488C-812D-55D6C242BF3C}"/>
+              </a:ext>
+            </a:extLst>
+          </p:cNvPr>
+          <p:cNvSpPr/>
+          <p:nvPr/>
+        </p:nvSpPr>
+        <p:spPr bwMode="auto">
+          <a:xfrm rot="10800000">
+            <a:off x="5015880" y="3799128"/>
+            <a:ext cx="2720434" cy="354608"/>
+          </a:xfrm>
+          <a:prstGeom prst="rightArrow">
+            <a:avLst/>
+          </a:prstGeom>
+          <a:ln>
+            <a:headEnd type="none" w="med" len="med"/>
+            <a:tailEnd type="none" w="med" len="med"/>
+          </a:ln>
+        </p:spPr>
+        <p:style>
+          <a:lnRef idx="2">
+            <a:schemeClr val="dk1"/>
+          </a:lnRef>
+          <a:fillRef idx="1">
+            <a:schemeClr val="lt1"/>
+          </a:fillRef>
+          <a:effectRef idx="0">
+            <a:schemeClr val="dk1"/>
+          </a:effectRef>
+          <a:fontRef idx="minor">
+            <a:schemeClr val="dk1"/>
+          </a:fontRef>
+        </p:style>
+        <p:txBody>
+          <a:bodyPr vert="horz" wrap="square" lIns="91440" tIns="45720" rIns="91440" bIns="45720" numCol="1" rtlCol="0" anchor="t" anchorCtr="0" compatLnSpc="1">
+            <a:prstTxWarp prst="textNoShape">
+              <a:avLst/>
+            </a:prstTxWarp>
+          </a:bodyPr>
+          <a:lstStyle/>
+          <a:p>
+            <a:pPr marL="342900" marR="0" indent="-342900" algn="l" defTabSz="914400" rtl="0" eaLnBrk="1" fontAlgn="base" latinLnBrk="0" hangingPunct="1">
+              <a:lnSpc>
+                <a:spcPct val="100000"/>
+              </a:lnSpc>
+              <a:spcBef>
+                <a:spcPct val="20000"/>
+              </a:spcBef>
+              <a:spcAft>
+                <a:spcPct val="0"/>
+              </a:spcAft>
+              <a:buClrTx/>
+              <a:buSzTx/>
+              <a:buFontTx/>
+              <a:buNone/>
+              <a:tabLst/>
+            </a:pPr>
+            <a:endParaRPr kumimoji="0" lang="de-DE" sz="2800" b="0" i="0" u="none" strike="noStrike" cap="none" normalizeH="0" baseline="0">
+              <a:ln>
+                <a:noFill/>
+              </a:ln>
+              <a:solidFill>
+                <a:schemeClr val="tx1"/>
+              </a:solidFill>
+              <a:effectLst/>
+              <a:latin typeface="Arial" charset="0"/>
+              <a:ea typeface="Osaka" charset="-128"/>
+              <a:cs typeface="Osaka" charset="-128"/>
+            </a:endParaRPr>
+          </a:p>
+        </p:txBody>
+      </p:sp>
+      <p:sp>
+        <p:nvSpPr>
+          <p:cNvPr id="16" name="Rectangle 3">
+            <a:extLst>
+              <a:ext uri="{FF2B5EF4-FFF2-40B4-BE49-F238E27FC236}">
+                <a16:creationId xmlns:a16="http://schemas.microsoft.com/office/drawing/2014/main" id="{87DC91B7-6408-4216-9E14-6D95D26D08B6}"/>
+              </a:ext>
+            </a:extLst>
+          </p:cNvPr>
+          <p:cNvSpPr txBox="1">
+            <a:spLocks noChangeArrowheads="1"/>
+          </p:cNvSpPr>
+          <p:nvPr/>
+        </p:nvSpPr>
+        <p:spPr>
+          <a:xfrm>
+            <a:off x="5015878" y="3535422"/>
+            <a:ext cx="2720434" cy="354608"/>
+          </a:xfrm>
+          <a:prstGeom prst="rect">
+            <a:avLst/>
+          </a:prstGeom>
+        </p:spPr>
+        <p:txBody>
+          <a:bodyPr/>
+          <a:lstStyle>
+            <a:lvl1pPr marL="342900" indent="-342900" algn="l" rtl="0" eaLnBrk="0" fontAlgn="base" hangingPunct="0">
+              <a:spcBef>
+                <a:spcPct val="20000"/>
+              </a:spcBef>
+              <a:spcAft>
+                <a:spcPct val="0"/>
+              </a:spcAft>
+              <a:defRPr sz="2400">
+                <a:solidFill>
+                  <a:schemeClr val="tx1">
+                    <a:lumMod val="50000"/>
+                    <a:lumOff val="50000"/>
+                  </a:schemeClr>
+                </a:solidFill>
+                <a:latin typeface="Trebuchet MS" pitchFamily="34" charset="0"/>
+                <a:ea typeface="+mn-ea"/>
+                <a:cs typeface="Calibri" pitchFamily="34" charset="0"/>
+              </a:defRPr>
+            </a:lvl1pPr>
+            <a:lvl2pPr marL="742950" indent="-285750" algn="l" rtl="0" eaLnBrk="0" fontAlgn="base" hangingPunct="0">
+              <a:spcBef>
+                <a:spcPct val="20000"/>
+              </a:spcBef>
+              <a:spcAft>
+                <a:spcPct val="0"/>
+              </a:spcAft>
+              <a:buClr>
+                <a:srgbClr val="D12821"/>
+              </a:buClr>
+              <a:buFont typeface="Wingdings" pitchFamily="2" charset="2"/>
+              <a:buChar char="Ø"/>
+              <a:defRPr sz="2400">
+                <a:solidFill>
+                  <a:schemeClr val="tx1">
+                    <a:lumMod val="50000"/>
+                    <a:lumOff val="50000"/>
+                  </a:schemeClr>
+                </a:solidFill>
+                <a:latin typeface="DIN" pitchFamily="50" charset="0"/>
+                <a:ea typeface="+mn-ea"/>
+                <a:cs typeface="Calibri" pitchFamily="34" charset="0"/>
+              </a:defRPr>
+            </a:lvl2pPr>
+            <a:lvl3pPr marL="1143000" indent="-228600" algn="l" rtl="0" eaLnBrk="0" fontAlgn="base" hangingPunct="0">
+              <a:spcBef>
+                <a:spcPct val="20000"/>
+              </a:spcBef>
+              <a:spcAft>
+                <a:spcPct val="0"/>
+              </a:spcAft>
+              <a:buClr>
+                <a:srgbClr val="006BAD"/>
+              </a:buClr>
+              <a:buFont typeface="Wingdings" pitchFamily="2" charset="2"/>
+              <a:buChar char="§"/>
+              <a:defRPr sz="2200">
+                <a:solidFill>
+                  <a:schemeClr val="tx1">
+                    <a:lumMod val="50000"/>
+                    <a:lumOff val="50000"/>
+                  </a:schemeClr>
+                </a:solidFill>
+                <a:latin typeface="DIN" pitchFamily="50" charset="0"/>
+                <a:ea typeface="+mn-ea"/>
+                <a:cs typeface="Calibri" pitchFamily="34" charset="0"/>
+              </a:defRPr>
+            </a:lvl3pPr>
+            <a:lvl4pPr marL="1714500" indent="-342900" algn="l" rtl="0" eaLnBrk="0" fontAlgn="base" hangingPunct="0">
+              <a:spcBef>
+                <a:spcPct val="20000"/>
+              </a:spcBef>
+              <a:spcAft>
+                <a:spcPct val="0"/>
+              </a:spcAft>
+              <a:buClr>
+                <a:srgbClr val="0281C9"/>
+              </a:buClr>
+              <a:buFont typeface="Arial" panose="020B0604020202020204" pitchFamily="34" charset="0"/>
+              <a:buChar char="•"/>
+              <a:defRPr sz="2000">
+                <a:solidFill>
+                  <a:schemeClr val="tx1">
+                    <a:lumMod val="50000"/>
+                    <a:lumOff val="50000"/>
+                  </a:schemeClr>
+                </a:solidFill>
+                <a:latin typeface="DIN" pitchFamily="50" charset="0"/>
+                <a:ea typeface="+mn-ea"/>
+                <a:cs typeface="Calibri" pitchFamily="34" charset="0"/>
+              </a:defRPr>
+            </a:lvl4pPr>
+            <a:lvl5pPr marL="2114550" indent="-285750" algn="l" rtl="0" eaLnBrk="0" fontAlgn="base" hangingPunct="0">
+              <a:spcBef>
+                <a:spcPct val="20000"/>
+              </a:spcBef>
+              <a:spcAft>
+                <a:spcPct val="0"/>
+              </a:spcAft>
+              <a:buClr>
+                <a:srgbClr val="74BAE2"/>
+              </a:buClr>
+              <a:buFont typeface="Courier New" panose="02070309020205020404" pitchFamily="49" charset="0"/>
+              <a:buChar char="o"/>
+              <a:defRPr sz="1800">
+                <a:solidFill>
+                  <a:schemeClr val="tx1">
+                    <a:lumMod val="50000"/>
+                    <a:lumOff val="50000"/>
+                  </a:schemeClr>
+                </a:solidFill>
+                <a:latin typeface="DIN" pitchFamily="50" charset="0"/>
+                <a:ea typeface="+mn-ea"/>
+                <a:cs typeface="Calibri" pitchFamily="34" charset="0"/>
+              </a:defRPr>
+            </a:lvl5pPr>
+            <a:lvl6pPr marL="2514600" indent="-228600" algn="l" rtl="0" fontAlgn="base">
+              <a:spcBef>
+                <a:spcPct val="20000"/>
+              </a:spcBef>
+              <a:spcAft>
+                <a:spcPct val="0"/>
+              </a:spcAft>
+              <a:buClr>
+                <a:srgbClr val="74BAE2"/>
+              </a:buClr>
+              <a:buFont typeface="Times" charset="0"/>
+              <a:buChar char="•"/>
+              <a:defRPr sz="1600">
+                <a:solidFill>
+                  <a:schemeClr val="tx1"/>
+                </a:solidFill>
+                <a:latin typeface="+mn-lt"/>
+                <a:ea typeface="+mn-ea"/>
+                <a:cs typeface="+mn-cs"/>
+              </a:defRPr>
+            </a:lvl6pPr>
+            <a:lvl7pPr marL="2971800" indent="-228600" algn="l" rtl="0" fontAlgn="base">
+              <a:spcBef>
+                <a:spcPct val="20000"/>
+              </a:spcBef>
+              <a:spcAft>
+                <a:spcPct val="0"/>
+              </a:spcAft>
+              <a:buClr>
+                <a:srgbClr val="74BAE2"/>
+              </a:buClr>
+              <a:buFont typeface="Times" charset="0"/>
+              <a:buChar char="•"/>
+              <a:defRPr sz="1600">
+                <a:solidFill>
+                  <a:schemeClr val="tx1"/>
+                </a:solidFill>
+                <a:latin typeface="+mn-lt"/>
+                <a:ea typeface="+mn-ea"/>
+                <a:cs typeface="+mn-cs"/>
+              </a:defRPr>
+            </a:lvl7pPr>
+            <a:lvl8pPr marL="3429000" indent="-228600" algn="l" rtl="0" fontAlgn="base">
+              <a:spcBef>
+                <a:spcPct val="20000"/>
+              </a:spcBef>
+              <a:spcAft>
+                <a:spcPct val="0"/>
+              </a:spcAft>
+              <a:buClr>
+                <a:srgbClr val="74BAE2"/>
+              </a:buClr>
+              <a:buFont typeface="Times" charset="0"/>
+              <a:buChar char="•"/>
+              <a:defRPr sz="1600">
+                <a:solidFill>
+                  <a:schemeClr val="tx1"/>
+                </a:solidFill>
+                <a:latin typeface="+mn-lt"/>
+                <a:ea typeface="+mn-ea"/>
+                <a:cs typeface="+mn-cs"/>
+              </a:defRPr>
+            </a:lvl8pPr>
+            <a:lvl9pPr marL="3886200" indent="-228600" algn="l" rtl="0" fontAlgn="base">
+              <a:spcBef>
+                <a:spcPct val="20000"/>
+              </a:spcBef>
+              <a:spcAft>
+                <a:spcPct val="0"/>
+              </a:spcAft>
+              <a:buClr>
+                <a:srgbClr val="74BAE2"/>
+              </a:buClr>
+              <a:buFont typeface="Times" charset="0"/>
+              <a:buChar char="•"/>
+              <a:defRPr sz="1600">
+                <a:solidFill>
+                  <a:schemeClr val="tx1"/>
+                </a:solidFill>
+                <a:latin typeface="+mn-lt"/>
+                <a:ea typeface="+mn-ea"/>
+                <a:cs typeface="+mn-cs"/>
+              </a:defRPr>
+            </a:lvl9pPr>
+          </a:lstStyle>
+          <a:p>
+            <a:pPr algn="ctr"/>
+            <a:r>
+              <a:rPr lang="de-DE" sz="2000" kern="0" dirty="0"/>
+              <a:t>Antwort</a:t>
             </a:r>
           </a:p>
         </p:txBody>
@@ -7441,26 +8096,346 @@
         </p:nvSpPr>
         <p:spPr>
           <a:xfrm>
-            <a:off x="1992314" y="1268414"/>
-            <a:ext cx="8207375" cy="4321175"/>
+            <a:off x="2639615" y="2852936"/>
+            <a:ext cx="2376265" cy="1080120"/>
           </a:xfrm>
         </p:spPr>
         <p:txBody>
           <a:bodyPr/>
           <a:lstStyle/>
           <a:p>
+            <a:pPr algn="ctr"/>
             <a:r>
               <a:rPr lang="de-DE" sz="2000" dirty="0"/>
-              <a:t>(Live Demonstration)</a:t>
-            </a:r>
-            <a:endParaRPr lang="en-US" sz="2000" dirty="0"/>
+              <a:t>Lokale Instanz</a:t>
+            </a:r>
+          </a:p>
+          <a:p>
+            <a:pPr algn="ctr"/>
+            <a:r>
+              <a:rPr lang="de-DE" sz="1400" dirty="0"/>
+              <a:t>(Windows, Mac, Linux…)</a:t>
+            </a:r>
+          </a:p>
+        </p:txBody>
+      </p:sp>
+      <p:sp>
+        <p:nvSpPr>
+          <p:cNvPr id="12" name="Rectangle 3">
+            <a:extLst>
+              <a:ext uri="{FF2B5EF4-FFF2-40B4-BE49-F238E27FC236}">
+                <a16:creationId xmlns:a16="http://schemas.microsoft.com/office/drawing/2014/main" id="{CE6805D4-4B73-466D-8E89-63DA9490991B}"/>
+              </a:ext>
+            </a:extLst>
+          </p:cNvPr>
+          <p:cNvSpPr txBox="1">
+            <a:spLocks noChangeArrowheads="1"/>
+          </p:cNvSpPr>
+          <p:nvPr/>
+        </p:nvSpPr>
+        <p:spPr>
+          <a:xfrm>
+            <a:off x="5015878" y="2559472"/>
+            <a:ext cx="2720434" cy="354608"/>
+          </a:xfrm>
+          <a:prstGeom prst="rect">
+            <a:avLst/>
+          </a:prstGeom>
+        </p:spPr>
+        <p:txBody>
+          <a:bodyPr/>
+          <a:lstStyle>
+            <a:lvl1pPr marL="342900" indent="-342900" algn="l" rtl="0" eaLnBrk="0" fontAlgn="base" hangingPunct="0">
+              <a:spcBef>
+                <a:spcPct val="20000"/>
+              </a:spcBef>
+              <a:spcAft>
+                <a:spcPct val="0"/>
+              </a:spcAft>
+              <a:defRPr sz="2400">
+                <a:solidFill>
+                  <a:schemeClr val="tx1">
+                    <a:lumMod val="50000"/>
+                    <a:lumOff val="50000"/>
+                  </a:schemeClr>
+                </a:solidFill>
+                <a:latin typeface="Trebuchet MS" pitchFamily="34" charset="0"/>
+                <a:ea typeface="+mn-ea"/>
+                <a:cs typeface="Calibri" pitchFamily="34" charset="0"/>
+              </a:defRPr>
+            </a:lvl1pPr>
+            <a:lvl2pPr marL="742950" indent="-285750" algn="l" rtl="0" eaLnBrk="0" fontAlgn="base" hangingPunct="0">
+              <a:spcBef>
+                <a:spcPct val="20000"/>
+              </a:spcBef>
+              <a:spcAft>
+                <a:spcPct val="0"/>
+              </a:spcAft>
+              <a:buClr>
+                <a:srgbClr val="D12821"/>
+              </a:buClr>
+              <a:buFont typeface="Wingdings" pitchFamily="2" charset="2"/>
+              <a:buChar char="Ø"/>
+              <a:defRPr sz="2400">
+                <a:solidFill>
+                  <a:schemeClr val="tx1">
+                    <a:lumMod val="50000"/>
+                    <a:lumOff val="50000"/>
+                  </a:schemeClr>
+                </a:solidFill>
+                <a:latin typeface="DIN" pitchFamily="50" charset="0"/>
+                <a:ea typeface="+mn-ea"/>
+                <a:cs typeface="Calibri" pitchFamily="34" charset="0"/>
+              </a:defRPr>
+            </a:lvl2pPr>
+            <a:lvl3pPr marL="1143000" indent="-228600" algn="l" rtl="0" eaLnBrk="0" fontAlgn="base" hangingPunct="0">
+              <a:spcBef>
+                <a:spcPct val="20000"/>
+              </a:spcBef>
+              <a:spcAft>
+                <a:spcPct val="0"/>
+              </a:spcAft>
+              <a:buClr>
+                <a:srgbClr val="006BAD"/>
+              </a:buClr>
+              <a:buFont typeface="Wingdings" pitchFamily="2" charset="2"/>
+              <a:buChar char="§"/>
+              <a:defRPr sz="2200">
+                <a:solidFill>
+                  <a:schemeClr val="tx1">
+                    <a:lumMod val="50000"/>
+                    <a:lumOff val="50000"/>
+                  </a:schemeClr>
+                </a:solidFill>
+                <a:latin typeface="DIN" pitchFamily="50" charset="0"/>
+                <a:ea typeface="+mn-ea"/>
+                <a:cs typeface="Calibri" pitchFamily="34" charset="0"/>
+              </a:defRPr>
+            </a:lvl3pPr>
+            <a:lvl4pPr marL="1714500" indent="-342900" algn="l" rtl="0" eaLnBrk="0" fontAlgn="base" hangingPunct="0">
+              <a:spcBef>
+                <a:spcPct val="20000"/>
+              </a:spcBef>
+              <a:spcAft>
+                <a:spcPct val="0"/>
+              </a:spcAft>
+              <a:buClr>
+                <a:srgbClr val="0281C9"/>
+              </a:buClr>
+              <a:buFont typeface="Arial" panose="020B0604020202020204" pitchFamily="34" charset="0"/>
+              <a:buChar char="•"/>
+              <a:defRPr sz="2000">
+                <a:solidFill>
+                  <a:schemeClr val="tx1">
+                    <a:lumMod val="50000"/>
+                    <a:lumOff val="50000"/>
+                  </a:schemeClr>
+                </a:solidFill>
+                <a:latin typeface="DIN" pitchFamily="50" charset="0"/>
+                <a:ea typeface="+mn-ea"/>
+                <a:cs typeface="Calibri" pitchFamily="34" charset="0"/>
+              </a:defRPr>
+            </a:lvl4pPr>
+            <a:lvl5pPr marL="2114550" indent="-285750" algn="l" rtl="0" eaLnBrk="0" fontAlgn="base" hangingPunct="0">
+              <a:spcBef>
+                <a:spcPct val="20000"/>
+              </a:spcBef>
+              <a:spcAft>
+                <a:spcPct val="0"/>
+              </a:spcAft>
+              <a:buClr>
+                <a:srgbClr val="74BAE2"/>
+              </a:buClr>
+              <a:buFont typeface="Courier New" panose="02070309020205020404" pitchFamily="49" charset="0"/>
+              <a:buChar char="o"/>
+              <a:defRPr sz="1800">
+                <a:solidFill>
+                  <a:schemeClr val="tx1">
+                    <a:lumMod val="50000"/>
+                    <a:lumOff val="50000"/>
+                  </a:schemeClr>
+                </a:solidFill>
+                <a:latin typeface="DIN" pitchFamily="50" charset="0"/>
+                <a:ea typeface="+mn-ea"/>
+                <a:cs typeface="Calibri" pitchFamily="34" charset="0"/>
+              </a:defRPr>
+            </a:lvl5pPr>
+            <a:lvl6pPr marL="2514600" indent="-228600" algn="l" rtl="0" fontAlgn="base">
+              <a:spcBef>
+                <a:spcPct val="20000"/>
+              </a:spcBef>
+              <a:spcAft>
+                <a:spcPct val="0"/>
+              </a:spcAft>
+              <a:buClr>
+                <a:srgbClr val="74BAE2"/>
+              </a:buClr>
+              <a:buFont typeface="Times" charset="0"/>
+              <a:buChar char="•"/>
+              <a:defRPr sz="1600">
+                <a:solidFill>
+                  <a:schemeClr val="tx1"/>
+                </a:solidFill>
+                <a:latin typeface="+mn-lt"/>
+                <a:ea typeface="+mn-ea"/>
+                <a:cs typeface="+mn-cs"/>
+              </a:defRPr>
+            </a:lvl6pPr>
+            <a:lvl7pPr marL="2971800" indent="-228600" algn="l" rtl="0" fontAlgn="base">
+              <a:spcBef>
+                <a:spcPct val="20000"/>
+              </a:spcBef>
+              <a:spcAft>
+                <a:spcPct val="0"/>
+              </a:spcAft>
+              <a:buClr>
+                <a:srgbClr val="74BAE2"/>
+              </a:buClr>
+              <a:buFont typeface="Times" charset="0"/>
+              <a:buChar char="•"/>
+              <a:defRPr sz="1600">
+                <a:solidFill>
+                  <a:schemeClr val="tx1"/>
+                </a:solidFill>
+                <a:latin typeface="+mn-lt"/>
+                <a:ea typeface="+mn-ea"/>
+                <a:cs typeface="+mn-cs"/>
+              </a:defRPr>
+            </a:lvl7pPr>
+            <a:lvl8pPr marL="3429000" indent="-228600" algn="l" rtl="0" fontAlgn="base">
+              <a:spcBef>
+                <a:spcPct val="20000"/>
+              </a:spcBef>
+              <a:spcAft>
+                <a:spcPct val="0"/>
+              </a:spcAft>
+              <a:buClr>
+                <a:srgbClr val="74BAE2"/>
+              </a:buClr>
+              <a:buFont typeface="Times" charset="0"/>
+              <a:buChar char="•"/>
+              <a:defRPr sz="1600">
+                <a:solidFill>
+                  <a:schemeClr val="tx1"/>
+                </a:solidFill>
+                <a:latin typeface="+mn-lt"/>
+                <a:ea typeface="+mn-ea"/>
+                <a:cs typeface="+mn-cs"/>
+              </a:defRPr>
+            </a:lvl8pPr>
+            <a:lvl9pPr marL="3886200" indent="-228600" algn="l" rtl="0" fontAlgn="base">
+              <a:spcBef>
+                <a:spcPct val="20000"/>
+              </a:spcBef>
+              <a:spcAft>
+                <a:spcPct val="0"/>
+              </a:spcAft>
+              <a:buClr>
+                <a:srgbClr val="74BAE2"/>
+              </a:buClr>
+              <a:buFont typeface="Times" charset="0"/>
+              <a:buChar char="•"/>
+              <a:defRPr sz="1600">
+                <a:solidFill>
+                  <a:schemeClr val="tx1"/>
+                </a:solidFill>
+                <a:latin typeface="+mn-lt"/>
+                <a:ea typeface="+mn-ea"/>
+                <a:cs typeface="+mn-cs"/>
+              </a:defRPr>
+            </a:lvl9pPr>
+          </a:lstStyle>
+          <a:p>
+            <a:pPr algn="ctr"/>
+            <a:r>
+              <a:rPr lang="de-DE" sz="2000" kern="0" dirty="0"/>
+              <a:t>Aufruf</a:t>
+            </a:r>
+          </a:p>
+        </p:txBody>
+      </p:sp>
+      <p:sp>
+        <p:nvSpPr>
+          <p:cNvPr id="17" name="Pfeil: nach rechts 16">
+            <a:extLst>
+              <a:ext uri="{FF2B5EF4-FFF2-40B4-BE49-F238E27FC236}">
+                <a16:creationId xmlns:a16="http://schemas.microsoft.com/office/drawing/2014/main" id="{B7FFA679-58AB-4CF7-8FB4-5C731EA7F529}"/>
+              </a:ext>
+            </a:extLst>
+          </p:cNvPr>
+          <p:cNvSpPr/>
+          <p:nvPr/>
+        </p:nvSpPr>
+        <p:spPr bwMode="auto">
+          <a:xfrm>
+            <a:off x="5015880" y="2823178"/>
+            <a:ext cx="2720434" cy="354608"/>
+          </a:xfrm>
+          <a:prstGeom prst="rightArrow">
+            <a:avLst/>
+          </a:prstGeom>
+          <a:ln>
+            <a:headEnd type="none" w="med" len="med"/>
+            <a:tailEnd type="none" w="med" len="med"/>
+          </a:ln>
+        </p:spPr>
+        <p:style>
+          <a:lnRef idx="2">
+            <a:schemeClr val="dk1"/>
+          </a:lnRef>
+          <a:fillRef idx="1">
+            <a:schemeClr val="lt1"/>
+          </a:fillRef>
+          <a:effectRef idx="0">
+            <a:schemeClr val="dk1"/>
+          </a:effectRef>
+          <a:fontRef idx="minor">
+            <a:schemeClr val="dk1"/>
+          </a:fontRef>
+        </p:style>
+        <p:txBody>
+          <a:bodyPr vert="horz" wrap="square" lIns="91440" tIns="45720" rIns="91440" bIns="45720" numCol="1" rtlCol="0" anchor="t" anchorCtr="0" compatLnSpc="1">
+            <a:prstTxWarp prst="textNoShape">
+              <a:avLst/>
+            </a:prstTxWarp>
+          </a:bodyPr>
+          <a:lstStyle/>
+          <a:p>
+            <a:pPr marL="342900" marR="0" indent="-342900" algn="l" defTabSz="914400" rtl="0" eaLnBrk="1" fontAlgn="base" latinLnBrk="0" hangingPunct="1">
+              <a:lnSpc>
+                <a:spcPct val="100000"/>
+              </a:lnSpc>
+              <a:spcBef>
+                <a:spcPct val="20000"/>
+              </a:spcBef>
+              <a:spcAft>
+                <a:spcPct val="0"/>
+              </a:spcAft>
+              <a:buClrTx/>
+              <a:buSzTx/>
+              <a:buFontTx/>
+              <a:buNone/>
+              <a:tabLst/>
+            </a:pPr>
+            <a:endParaRPr kumimoji="0" lang="de-DE" sz="2800" b="0" i="0" u="none" strike="noStrike" cap="none" normalizeH="0" baseline="0">
+              <a:ln>
+                <a:noFill/>
+              </a:ln>
+              <a:solidFill>
+                <a:schemeClr val="tx1"/>
+              </a:solidFill>
+              <a:effectLst/>
+              <a:latin typeface="Arial" charset="0"/>
+              <a:ea typeface="Osaka" charset="-128"/>
+              <a:cs typeface="Osaka" charset="-128"/>
+            </a:endParaRPr>
           </a:p>
         </p:txBody>
       </p:sp>
     </p:spTree>
     <p:extLst>
       <p:ext uri="{BB962C8B-B14F-4D97-AF65-F5344CB8AC3E}">
-        <p14:creationId xmlns:p14="http://schemas.microsoft.com/office/powerpoint/2010/main" val="4228697257"/>
+        <p14:creationId xmlns:p14="http://schemas.microsoft.com/office/powerpoint/2010/main" val="566749005"/>
       </p:ext>
     </p:extLst>
   </p:cSld>
@@ -7499,7 +8474,7 @@
         </p:nvSpPr>
         <p:spPr>
           <a:xfrm>
-            <a:off x="1992314" y="333375"/>
+            <a:off x="695400" y="395820"/>
             <a:ext cx="8207375" cy="609600"/>
           </a:xfrm>
         </p:spPr>
@@ -7512,7 +8487,940 @@
             </a:pPr>
             <a:r>
               <a:rPr lang="de-DE" altLang="de-DE" sz="2400" dirty="0"/>
-              <a:t>Lokalen Service von der IBM i ansprechen</a:t>
+              <a:t>IBM i von lokaler Instanz ansprechen</a:t>
+            </a:r>
+          </a:p>
+        </p:txBody>
+      </p:sp>
+      <p:pic>
+        <p:nvPicPr>
+          <p:cNvPr id="3" name="Grafik 2" descr="Laptop">
+            <a:extLst>
+              <a:ext uri="{FF2B5EF4-FFF2-40B4-BE49-F238E27FC236}">
+                <a16:creationId xmlns:a16="http://schemas.microsoft.com/office/drawing/2014/main" id="{2CF06326-2462-4E9B-9FE2-9809F2E06890}"/>
+              </a:ext>
+            </a:extLst>
+          </p:cNvPr>
+          <p:cNvPicPr>
+            <a:picLocks noChangeAspect="1"/>
+          </p:cNvPicPr>
+          <p:nvPr/>
+        </p:nvPicPr>
+        <p:blipFill>
+          <a:blip r:embed="rId3">
+            <a:extLst>
+              <a:ext uri="{96DAC541-7B7A-43D3-8B79-37D633B846F1}">
+                <asvg:svgBlip xmlns:asvg="http://schemas.microsoft.com/office/drawing/2016/SVG/main" r:embed="rId4"/>
+              </a:ext>
+            </a:extLst>
+          </a:blip>
+          <a:stretch>
+            <a:fillRect/>
+          </a:stretch>
+        </p:blipFill>
+        <p:spPr>
+          <a:xfrm>
+            <a:off x="2639616" y="908720"/>
+            <a:ext cx="2376264" cy="2376264"/>
+          </a:xfrm>
+          <a:prstGeom prst="rect">
+            <a:avLst/>
+          </a:prstGeom>
+        </p:spPr>
+      </p:pic>
+      <p:pic>
+        <p:nvPicPr>
+          <p:cNvPr id="6" name="Grafik 5" descr="Computer">
+            <a:extLst>
+              <a:ext uri="{FF2B5EF4-FFF2-40B4-BE49-F238E27FC236}">
+                <a16:creationId xmlns:a16="http://schemas.microsoft.com/office/drawing/2014/main" id="{57E5F2E6-888F-4C34-BCFB-4107347ABB3C}"/>
+              </a:ext>
+            </a:extLst>
+          </p:cNvPr>
+          <p:cNvPicPr>
+            <a:picLocks noChangeAspect="1"/>
+          </p:cNvPicPr>
+          <p:nvPr/>
+        </p:nvPicPr>
+        <p:blipFill>
+          <a:blip r:embed="rId5">
+            <a:extLst>
+              <a:ext uri="{96DAC541-7B7A-43D3-8B79-37D633B846F1}">
+                <asvg:svgBlip xmlns:asvg="http://schemas.microsoft.com/office/drawing/2016/SVG/main" r:embed="rId6"/>
+              </a:ext>
+            </a:extLst>
+          </a:blip>
+          <a:stretch>
+            <a:fillRect/>
+          </a:stretch>
+        </p:blipFill>
+        <p:spPr>
+          <a:xfrm>
+            <a:off x="7837227" y="974210"/>
+            <a:ext cx="2376265" cy="2245284"/>
+          </a:xfrm>
+          <a:prstGeom prst="rect">
+            <a:avLst/>
+          </a:prstGeom>
+        </p:spPr>
+      </p:pic>
+      <p:sp>
+        <p:nvSpPr>
+          <p:cNvPr id="9" name="Rectangle 3">
+            <a:extLst>
+              <a:ext uri="{FF2B5EF4-FFF2-40B4-BE49-F238E27FC236}">
+                <a16:creationId xmlns:a16="http://schemas.microsoft.com/office/drawing/2014/main" id="{80944784-6FF3-4D0C-8523-103E307EB039}"/>
+              </a:ext>
+            </a:extLst>
+          </p:cNvPr>
+          <p:cNvSpPr txBox="1">
+            <a:spLocks noChangeArrowheads="1"/>
+          </p:cNvSpPr>
+          <p:nvPr/>
+        </p:nvSpPr>
+        <p:spPr>
+          <a:xfrm>
+            <a:off x="7837226" y="2847503"/>
+            <a:ext cx="2376265" cy="1812149"/>
+          </a:xfrm>
+          <a:prstGeom prst="rect">
+            <a:avLst/>
+          </a:prstGeom>
+        </p:spPr>
+        <p:txBody>
+          <a:bodyPr/>
+          <a:lstStyle>
+            <a:lvl1pPr marL="342900" indent="-342900" algn="l" rtl="0" eaLnBrk="0" fontAlgn="base" hangingPunct="0">
+              <a:spcBef>
+                <a:spcPct val="20000"/>
+              </a:spcBef>
+              <a:spcAft>
+                <a:spcPct val="0"/>
+              </a:spcAft>
+              <a:defRPr sz="2400">
+                <a:solidFill>
+                  <a:schemeClr val="tx1">
+                    <a:lumMod val="50000"/>
+                    <a:lumOff val="50000"/>
+                  </a:schemeClr>
+                </a:solidFill>
+                <a:latin typeface="Trebuchet MS" pitchFamily="34" charset="0"/>
+                <a:ea typeface="+mn-ea"/>
+                <a:cs typeface="Calibri" pitchFamily="34" charset="0"/>
+              </a:defRPr>
+            </a:lvl1pPr>
+            <a:lvl2pPr marL="742950" indent="-285750" algn="l" rtl="0" eaLnBrk="0" fontAlgn="base" hangingPunct="0">
+              <a:spcBef>
+                <a:spcPct val="20000"/>
+              </a:spcBef>
+              <a:spcAft>
+                <a:spcPct val="0"/>
+              </a:spcAft>
+              <a:buClr>
+                <a:srgbClr val="D12821"/>
+              </a:buClr>
+              <a:buFont typeface="Wingdings" pitchFamily="2" charset="2"/>
+              <a:buChar char="Ø"/>
+              <a:defRPr sz="2400">
+                <a:solidFill>
+                  <a:schemeClr val="tx1">
+                    <a:lumMod val="50000"/>
+                    <a:lumOff val="50000"/>
+                  </a:schemeClr>
+                </a:solidFill>
+                <a:latin typeface="DIN" pitchFamily="50" charset="0"/>
+                <a:ea typeface="+mn-ea"/>
+                <a:cs typeface="Calibri" pitchFamily="34" charset="0"/>
+              </a:defRPr>
+            </a:lvl2pPr>
+            <a:lvl3pPr marL="1143000" indent="-228600" algn="l" rtl="0" eaLnBrk="0" fontAlgn="base" hangingPunct="0">
+              <a:spcBef>
+                <a:spcPct val="20000"/>
+              </a:spcBef>
+              <a:spcAft>
+                <a:spcPct val="0"/>
+              </a:spcAft>
+              <a:buClr>
+                <a:srgbClr val="006BAD"/>
+              </a:buClr>
+              <a:buFont typeface="Wingdings" pitchFamily="2" charset="2"/>
+              <a:buChar char="§"/>
+              <a:defRPr sz="2200">
+                <a:solidFill>
+                  <a:schemeClr val="tx1">
+                    <a:lumMod val="50000"/>
+                    <a:lumOff val="50000"/>
+                  </a:schemeClr>
+                </a:solidFill>
+                <a:latin typeface="DIN" pitchFamily="50" charset="0"/>
+                <a:ea typeface="+mn-ea"/>
+                <a:cs typeface="Calibri" pitchFamily="34" charset="0"/>
+              </a:defRPr>
+            </a:lvl3pPr>
+            <a:lvl4pPr marL="1714500" indent="-342900" algn="l" rtl="0" eaLnBrk="0" fontAlgn="base" hangingPunct="0">
+              <a:spcBef>
+                <a:spcPct val="20000"/>
+              </a:spcBef>
+              <a:spcAft>
+                <a:spcPct val="0"/>
+              </a:spcAft>
+              <a:buClr>
+                <a:srgbClr val="0281C9"/>
+              </a:buClr>
+              <a:buFont typeface="Arial" panose="020B0604020202020204" pitchFamily="34" charset="0"/>
+              <a:buChar char="•"/>
+              <a:defRPr sz="2000">
+                <a:solidFill>
+                  <a:schemeClr val="tx1">
+                    <a:lumMod val="50000"/>
+                    <a:lumOff val="50000"/>
+                  </a:schemeClr>
+                </a:solidFill>
+                <a:latin typeface="DIN" pitchFamily="50" charset="0"/>
+                <a:ea typeface="+mn-ea"/>
+                <a:cs typeface="Calibri" pitchFamily="34" charset="0"/>
+              </a:defRPr>
+            </a:lvl4pPr>
+            <a:lvl5pPr marL="2114550" indent="-285750" algn="l" rtl="0" eaLnBrk="0" fontAlgn="base" hangingPunct="0">
+              <a:spcBef>
+                <a:spcPct val="20000"/>
+              </a:spcBef>
+              <a:spcAft>
+                <a:spcPct val="0"/>
+              </a:spcAft>
+              <a:buClr>
+                <a:srgbClr val="74BAE2"/>
+              </a:buClr>
+              <a:buFont typeface="Courier New" panose="02070309020205020404" pitchFamily="49" charset="0"/>
+              <a:buChar char="o"/>
+              <a:defRPr sz="1800">
+                <a:solidFill>
+                  <a:schemeClr val="tx1">
+                    <a:lumMod val="50000"/>
+                    <a:lumOff val="50000"/>
+                  </a:schemeClr>
+                </a:solidFill>
+                <a:latin typeface="DIN" pitchFamily="50" charset="0"/>
+                <a:ea typeface="+mn-ea"/>
+                <a:cs typeface="Calibri" pitchFamily="34" charset="0"/>
+              </a:defRPr>
+            </a:lvl5pPr>
+            <a:lvl6pPr marL="2514600" indent="-228600" algn="l" rtl="0" fontAlgn="base">
+              <a:spcBef>
+                <a:spcPct val="20000"/>
+              </a:spcBef>
+              <a:spcAft>
+                <a:spcPct val="0"/>
+              </a:spcAft>
+              <a:buClr>
+                <a:srgbClr val="74BAE2"/>
+              </a:buClr>
+              <a:buFont typeface="Times" charset="0"/>
+              <a:buChar char="•"/>
+              <a:defRPr sz="1600">
+                <a:solidFill>
+                  <a:schemeClr val="tx1"/>
+                </a:solidFill>
+                <a:latin typeface="+mn-lt"/>
+                <a:ea typeface="+mn-ea"/>
+                <a:cs typeface="+mn-cs"/>
+              </a:defRPr>
+            </a:lvl6pPr>
+            <a:lvl7pPr marL="2971800" indent="-228600" algn="l" rtl="0" fontAlgn="base">
+              <a:spcBef>
+                <a:spcPct val="20000"/>
+              </a:spcBef>
+              <a:spcAft>
+                <a:spcPct val="0"/>
+              </a:spcAft>
+              <a:buClr>
+                <a:srgbClr val="74BAE2"/>
+              </a:buClr>
+              <a:buFont typeface="Times" charset="0"/>
+              <a:buChar char="•"/>
+              <a:defRPr sz="1600">
+                <a:solidFill>
+                  <a:schemeClr val="tx1"/>
+                </a:solidFill>
+                <a:latin typeface="+mn-lt"/>
+                <a:ea typeface="+mn-ea"/>
+                <a:cs typeface="+mn-cs"/>
+              </a:defRPr>
+            </a:lvl7pPr>
+            <a:lvl8pPr marL="3429000" indent="-228600" algn="l" rtl="0" fontAlgn="base">
+              <a:spcBef>
+                <a:spcPct val="20000"/>
+              </a:spcBef>
+              <a:spcAft>
+                <a:spcPct val="0"/>
+              </a:spcAft>
+              <a:buClr>
+                <a:srgbClr val="74BAE2"/>
+              </a:buClr>
+              <a:buFont typeface="Times" charset="0"/>
+              <a:buChar char="•"/>
+              <a:defRPr sz="1600">
+                <a:solidFill>
+                  <a:schemeClr val="tx1"/>
+                </a:solidFill>
+                <a:latin typeface="+mn-lt"/>
+                <a:ea typeface="+mn-ea"/>
+                <a:cs typeface="+mn-cs"/>
+              </a:defRPr>
+            </a:lvl8pPr>
+            <a:lvl9pPr marL="3886200" indent="-228600" algn="l" rtl="0" fontAlgn="base">
+              <a:spcBef>
+                <a:spcPct val="20000"/>
+              </a:spcBef>
+              <a:spcAft>
+                <a:spcPct val="0"/>
+              </a:spcAft>
+              <a:buClr>
+                <a:srgbClr val="74BAE2"/>
+              </a:buClr>
+              <a:buFont typeface="Times" charset="0"/>
+              <a:buChar char="•"/>
+              <a:defRPr sz="1600">
+                <a:solidFill>
+                  <a:schemeClr val="tx1"/>
+                </a:solidFill>
+                <a:latin typeface="+mn-lt"/>
+                <a:ea typeface="+mn-ea"/>
+                <a:cs typeface="+mn-cs"/>
+              </a:defRPr>
+            </a:lvl9pPr>
+          </a:lstStyle>
+          <a:p>
+            <a:pPr algn="ctr"/>
+            <a:r>
+              <a:rPr lang="de-DE" sz="2000" kern="0" dirty="0"/>
+              <a:t>IBM i</a:t>
+            </a:r>
+          </a:p>
+        </p:txBody>
+      </p:sp>
+      <p:sp>
+        <p:nvSpPr>
+          <p:cNvPr id="11" name="Pfeil: nach rechts 10">
+            <a:extLst>
+              <a:ext uri="{FF2B5EF4-FFF2-40B4-BE49-F238E27FC236}">
+                <a16:creationId xmlns:a16="http://schemas.microsoft.com/office/drawing/2014/main" id="{9C6106E5-E06F-4D3A-B0EE-615809DDCEFE}"/>
+              </a:ext>
+            </a:extLst>
+          </p:cNvPr>
+          <p:cNvSpPr/>
+          <p:nvPr/>
+        </p:nvSpPr>
+        <p:spPr bwMode="auto">
+          <a:xfrm>
+            <a:off x="5015880" y="3438970"/>
+            <a:ext cx="2720434" cy="354608"/>
+          </a:xfrm>
+          <a:prstGeom prst="rightArrow">
+            <a:avLst/>
+          </a:prstGeom>
+          <a:ln>
+            <a:headEnd type="none" w="med" len="med"/>
+            <a:tailEnd type="none" w="med" len="med"/>
+          </a:ln>
+        </p:spPr>
+        <p:style>
+          <a:lnRef idx="2">
+            <a:schemeClr val="dk1"/>
+          </a:lnRef>
+          <a:fillRef idx="1">
+            <a:schemeClr val="lt1"/>
+          </a:fillRef>
+          <a:effectRef idx="0">
+            <a:schemeClr val="dk1"/>
+          </a:effectRef>
+          <a:fontRef idx="minor">
+            <a:schemeClr val="dk1"/>
+          </a:fontRef>
+        </p:style>
+        <p:txBody>
+          <a:bodyPr vert="horz" wrap="square" lIns="91440" tIns="45720" rIns="91440" bIns="45720" numCol="1" rtlCol="0" anchor="t" anchorCtr="0" compatLnSpc="1">
+            <a:prstTxWarp prst="textNoShape">
+              <a:avLst/>
+            </a:prstTxWarp>
+          </a:bodyPr>
+          <a:lstStyle/>
+          <a:p>
+            <a:pPr marL="342900" marR="0" indent="-342900" algn="l" defTabSz="914400" rtl="0" eaLnBrk="1" fontAlgn="base" latinLnBrk="0" hangingPunct="1">
+              <a:lnSpc>
+                <a:spcPct val="100000"/>
+              </a:lnSpc>
+              <a:spcBef>
+                <a:spcPct val="20000"/>
+              </a:spcBef>
+              <a:spcAft>
+                <a:spcPct val="0"/>
+              </a:spcAft>
+              <a:buClrTx/>
+              <a:buSzTx/>
+              <a:buFontTx/>
+              <a:buNone/>
+              <a:tabLst/>
+            </a:pPr>
+            <a:endParaRPr kumimoji="0" lang="de-DE" sz="2800" b="0" i="0" u="none" strike="noStrike" cap="none" normalizeH="0" baseline="0">
+              <a:ln>
+                <a:noFill/>
+              </a:ln>
+              <a:solidFill>
+                <a:schemeClr val="tx1"/>
+              </a:solidFill>
+              <a:effectLst/>
+              <a:latin typeface="Arial" charset="0"/>
+              <a:ea typeface="Osaka" charset="-128"/>
+              <a:cs typeface="Osaka" charset="-128"/>
+            </a:endParaRPr>
+          </a:p>
+        </p:txBody>
+      </p:sp>
+      <p:sp>
+        <p:nvSpPr>
+          <p:cNvPr id="14" name="Rectangle 3">
+            <a:extLst>
+              <a:ext uri="{FF2B5EF4-FFF2-40B4-BE49-F238E27FC236}">
+                <a16:creationId xmlns:a16="http://schemas.microsoft.com/office/drawing/2014/main" id="{974AAAEB-6A5D-4312-BFCE-A872F926953C}"/>
+              </a:ext>
+            </a:extLst>
+          </p:cNvPr>
+          <p:cNvSpPr txBox="1">
+            <a:spLocks noChangeArrowheads="1"/>
+          </p:cNvSpPr>
+          <p:nvPr/>
+        </p:nvSpPr>
+        <p:spPr>
+          <a:xfrm>
+            <a:off x="5015880" y="3207544"/>
+            <a:ext cx="2720434" cy="317014"/>
+          </a:xfrm>
+          <a:prstGeom prst="rect">
+            <a:avLst/>
+          </a:prstGeom>
+        </p:spPr>
+        <p:txBody>
+          <a:bodyPr/>
+          <a:lstStyle>
+            <a:lvl1pPr marL="342900" indent="-342900" algn="l" rtl="0" eaLnBrk="0" fontAlgn="base" hangingPunct="0">
+              <a:spcBef>
+                <a:spcPct val="20000"/>
+              </a:spcBef>
+              <a:spcAft>
+                <a:spcPct val="0"/>
+              </a:spcAft>
+              <a:defRPr sz="2400">
+                <a:solidFill>
+                  <a:schemeClr val="tx1">
+                    <a:lumMod val="50000"/>
+                    <a:lumOff val="50000"/>
+                  </a:schemeClr>
+                </a:solidFill>
+                <a:latin typeface="Trebuchet MS" pitchFamily="34" charset="0"/>
+                <a:ea typeface="+mn-ea"/>
+                <a:cs typeface="Calibri" pitchFamily="34" charset="0"/>
+              </a:defRPr>
+            </a:lvl1pPr>
+            <a:lvl2pPr marL="742950" indent="-285750" algn="l" rtl="0" eaLnBrk="0" fontAlgn="base" hangingPunct="0">
+              <a:spcBef>
+                <a:spcPct val="20000"/>
+              </a:spcBef>
+              <a:spcAft>
+                <a:spcPct val="0"/>
+              </a:spcAft>
+              <a:buClr>
+                <a:srgbClr val="D12821"/>
+              </a:buClr>
+              <a:buFont typeface="Wingdings" pitchFamily="2" charset="2"/>
+              <a:buChar char="Ø"/>
+              <a:defRPr sz="2400">
+                <a:solidFill>
+                  <a:schemeClr val="tx1">
+                    <a:lumMod val="50000"/>
+                    <a:lumOff val="50000"/>
+                  </a:schemeClr>
+                </a:solidFill>
+                <a:latin typeface="DIN" pitchFamily="50" charset="0"/>
+                <a:ea typeface="+mn-ea"/>
+                <a:cs typeface="Calibri" pitchFamily="34" charset="0"/>
+              </a:defRPr>
+            </a:lvl2pPr>
+            <a:lvl3pPr marL="1143000" indent="-228600" algn="l" rtl="0" eaLnBrk="0" fontAlgn="base" hangingPunct="0">
+              <a:spcBef>
+                <a:spcPct val="20000"/>
+              </a:spcBef>
+              <a:spcAft>
+                <a:spcPct val="0"/>
+              </a:spcAft>
+              <a:buClr>
+                <a:srgbClr val="006BAD"/>
+              </a:buClr>
+              <a:buFont typeface="Wingdings" pitchFamily="2" charset="2"/>
+              <a:buChar char="§"/>
+              <a:defRPr sz="2200">
+                <a:solidFill>
+                  <a:schemeClr val="tx1">
+                    <a:lumMod val="50000"/>
+                    <a:lumOff val="50000"/>
+                  </a:schemeClr>
+                </a:solidFill>
+                <a:latin typeface="DIN" pitchFamily="50" charset="0"/>
+                <a:ea typeface="+mn-ea"/>
+                <a:cs typeface="Calibri" pitchFamily="34" charset="0"/>
+              </a:defRPr>
+            </a:lvl3pPr>
+            <a:lvl4pPr marL="1714500" indent="-342900" algn="l" rtl="0" eaLnBrk="0" fontAlgn="base" hangingPunct="0">
+              <a:spcBef>
+                <a:spcPct val="20000"/>
+              </a:spcBef>
+              <a:spcAft>
+                <a:spcPct val="0"/>
+              </a:spcAft>
+              <a:buClr>
+                <a:srgbClr val="0281C9"/>
+              </a:buClr>
+              <a:buFont typeface="Arial" panose="020B0604020202020204" pitchFamily="34" charset="0"/>
+              <a:buChar char="•"/>
+              <a:defRPr sz="2000">
+                <a:solidFill>
+                  <a:schemeClr val="tx1">
+                    <a:lumMod val="50000"/>
+                    <a:lumOff val="50000"/>
+                  </a:schemeClr>
+                </a:solidFill>
+                <a:latin typeface="DIN" pitchFamily="50" charset="0"/>
+                <a:ea typeface="+mn-ea"/>
+                <a:cs typeface="Calibri" pitchFamily="34" charset="0"/>
+              </a:defRPr>
+            </a:lvl4pPr>
+            <a:lvl5pPr marL="2114550" indent="-285750" algn="l" rtl="0" eaLnBrk="0" fontAlgn="base" hangingPunct="0">
+              <a:spcBef>
+                <a:spcPct val="20000"/>
+              </a:spcBef>
+              <a:spcAft>
+                <a:spcPct val="0"/>
+              </a:spcAft>
+              <a:buClr>
+                <a:srgbClr val="74BAE2"/>
+              </a:buClr>
+              <a:buFont typeface="Courier New" panose="02070309020205020404" pitchFamily="49" charset="0"/>
+              <a:buChar char="o"/>
+              <a:defRPr sz="1800">
+                <a:solidFill>
+                  <a:schemeClr val="tx1">
+                    <a:lumMod val="50000"/>
+                    <a:lumOff val="50000"/>
+                  </a:schemeClr>
+                </a:solidFill>
+                <a:latin typeface="DIN" pitchFamily="50" charset="0"/>
+                <a:ea typeface="+mn-ea"/>
+                <a:cs typeface="Calibri" pitchFamily="34" charset="0"/>
+              </a:defRPr>
+            </a:lvl5pPr>
+            <a:lvl6pPr marL="2514600" indent="-228600" algn="l" rtl="0" fontAlgn="base">
+              <a:spcBef>
+                <a:spcPct val="20000"/>
+              </a:spcBef>
+              <a:spcAft>
+                <a:spcPct val="0"/>
+              </a:spcAft>
+              <a:buClr>
+                <a:srgbClr val="74BAE2"/>
+              </a:buClr>
+              <a:buFont typeface="Times" charset="0"/>
+              <a:buChar char="•"/>
+              <a:defRPr sz="1600">
+                <a:solidFill>
+                  <a:schemeClr val="tx1"/>
+                </a:solidFill>
+                <a:latin typeface="+mn-lt"/>
+                <a:ea typeface="+mn-ea"/>
+                <a:cs typeface="+mn-cs"/>
+              </a:defRPr>
+            </a:lvl6pPr>
+            <a:lvl7pPr marL="2971800" indent="-228600" algn="l" rtl="0" fontAlgn="base">
+              <a:spcBef>
+                <a:spcPct val="20000"/>
+              </a:spcBef>
+              <a:spcAft>
+                <a:spcPct val="0"/>
+              </a:spcAft>
+              <a:buClr>
+                <a:srgbClr val="74BAE2"/>
+              </a:buClr>
+              <a:buFont typeface="Times" charset="0"/>
+              <a:buChar char="•"/>
+              <a:defRPr sz="1600">
+                <a:solidFill>
+                  <a:schemeClr val="tx1"/>
+                </a:solidFill>
+                <a:latin typeface="+mn-lt"/>
+                <a:ea typeface="+mn-ea"/>
+                <a:cs typeface="+mn-cs"/>
+              </a:defRPr>
+            </a:lvl7pPr>
+            <a:lvl8pPr marL="3429000" indent="-228600" algn="l" rtl="0" fontAlgn="base">
+              <a:spcBef>
+                <a:spcPct val="20000"/>
+              </a:spcBef>
+              <a:spcAft>
+                <a:spcPct val="0"/>
+              </a:spcAft>
+              <a:buClr>
+                <a:srgbClr val="74BAE2"/>
+              </a:buClr>
+              <a:buFont typeface="Times" charset="0"/>
+              <a:buChar char="•"/>
+              <a:defRPr sz="1600">
+                <a:solidFill>
+                  <a:schemeClr val="tx1"/>
+                </a:solidFill>
+                <a:latin typeface="+mn-lt"/>
+                <a:ea typeface="+mn-ea"/>
+                <a:cs typeface="+mn-cs"/>
+              </a:defRPr>
+            </a:lvl8pPr>
+            <a:lvl9pPr marL="3886200" indent="-228600" algn="l" rtl="0" fontAlgn="base">
+              <a:spcBef>
+                <a:spcPct val="20000"/>
+              </a:spcBef>
+              <a:spcAft>
+                <a:spcPct val="0"/>
+              </a:spcAft>
+              <a:buClr>
+                <a:srgbClr val="74BAE2"/>
+              </a:buClr>
+              <a:buFont typeface="Times" charset="0"/>
+              <a:buChar char="•"/>
+              <a:defRPr sz="1600">
+                <a:solidFill>
+                  <a:schemeClr val="tx1"/>
+                </a:solidFill>
+                <a:latin typeface="+mn-lt"/>
+                <a:ea typeface="+mn-ea"/>
+                <a:cs typeface="+mn-cs"/>
+              </a:defRPr>
+            </a:lvl9pPr>
+          </a:lstStyle>
+          <a:p>
+            <a:pPr algn="ctr"/>
+            <a:r>
+              <a:rPr lang="de-DE" sz="2000" kern="0" dirty="0"/>
+              <a:t>Antwort</a:t>
+            </a:r>
+          </a:p>
+        </p:txBody>
+      </p:sp>
+      <p:sp>
+        <p:nvSpPr>
+          <p:cNvPr id="15" name="Pfeil: nach rechts 14">
+            <a:extLst>
+              <a:ext uri="{FF2B5EF4-FFF2-40B4-BE49-F238E27FC236}">
+                <a16:creationId xmlns:a16="http://schemas.microsoft.com/office/drawing/2014/main" id="{F64D9C7A-CA3D-488C-812D-55D6C242BF3C}"/>
+              </a:ext>
+            </a:extLst>
+          </p:cNvPr>
+          <p:cNvSpPr/>
+          <p:nvPr/>
+        </p:nvSpPr>
+        <p:spPr bwMode="auto">
+          <a:xfrm rot="10800000">
+            <a:off x="5015880" y="2823178"/>
+            <a:ext cx="2720434" cy="354608"/>
+          </a:xfrm>
+          <a:prstGeom prst="rightArrow">
+            <a:avLst/>
+          </a:prstGeom>
+          <a:ln>
+            <a:headEnd type="none" w="med" len="med"/>
+            <a:tailEnd type="none" w="med" len="med"/>
+          </a:ln>
+        </p:spPr>
+        <p:style>
+          <a:lnRef idx="2">
+            <a:schemeClr val="dk1"/>
+          </a:lnRef>
+          <a:fillRef idx="1">
+            <a:schemeClr val="lt1"/>
+          </a:fillRef>
+          <a:effectRef idx="0">
+            <a:schemeClr val="dk1"/>
+          </a:effectRef>
+          <a:fontRef idx="minor">
+            <a:schemeClr val="dk1"/>
+          </a:fontRef>
+        </p:style>
+        <p:txBody>
+          <a:bodyPr vert="horz" wrap="square" lIns="91440" tIns="45720" rIns="91440" bIns="45720" numCol="1" rtlCol="0" anchor="t" anchorCtr="0" compatLnSpc="1">
+            <a:prstTxWarp prst="textNoShape">
+              <a:avLst/>
+            </a:prstTxWarp>
+          </a:bodyPr>
+          <a:lstStyle/>
+          <a:p>
+            <a:pPr marL="342900" marR="0" indent="-342900" algn="l" defTabSz="914400" rtl="0" eaLnBrk="1" fontAlgn="base" latinLnBrk="0" hangingPunct="1">
+              <a:lnSpc>
+                <a:spcPct val="100000"/>
+              </a:lnSpc>
+              <a:spcBef>
+                <a:spcPct val="20000"/>
+              </a:spcBef>
+              <a:spcAft>
+                <a:spcPct val="0"/>
+              </a:spcAft>
+              <a:buClrTx/>
+              <a:buSzTx/>
+              <a:buFontTx/>
+              <a:buNone/>
+              <a:tabLst/>
+            </a:pPr>
+            <a:endParaRPr kumimoji="0" lang="de-DE" sz="2800" b="0" i="0" u="none" strike="noStrike" cap="none" normalizeH="0" baseline="0">
+              <a:ln>
+                <a:noFill/>
+              </a:ln>
+              <a:solidFill>
+                <a:schemeClr val="tx1"/>
+              </a:solidFill>
+              <a:effectLst/>
+              <a:latin typeface="Arial" charset="0"/>
+              <a:ea typeface="Osaka" charset="-128"/>
+              <a:cs typeface="Osaka" charset="-128"/>
+            </a:endParaRPr>
+          </a:p>
+        </p:txBody>
+      </p:sp>
+      <p:sp>
+        <p:nvSpPr>
+          <p:cNvPr id="16" name="Rectangle 3">
+            <a:extLst>
+              <a:ext uri="{FF2B5EF4-FFF2-40B4-BE49-F238E27FC236}">
+                <a16:creationId xmlns:a16="http://schemas.microsoft.com/office/drawing/2014/main" id="{87DC91B7-6408-4216-9E14-6D95D26D08B6}"/>
+              </a:ext>
+            </a:extLst>
+          </p:cNvPr>
+          <p:cNvSpPr txBox="1">
+            <a:spLocks noChangeArrowheads="1"/>
+          </p:cNvSpPr>
+          <p:nvPr/>
+        </p:nvSpPr>
+        <p:spPr>
+          <a:xfrm>
+            <a:off x="5015878" y="2559472"/>
+            <a:ext cx="2720434" cy="354608"/>
+          </a:xfrm>
+          <a:prstGeom prst="rect">
+            <a:avLst/>
+          </a:prstGeom>
+        </p:spPr>
+        <p:txBody>
+          <a:bodyPr/>
+          <a:lstStyle>
+            <a:lvl1pPr marL="342900" indent="-342900" algn="l" rtl="0" eaLnBrk="0" fontAlgn="base" hangingPunct="0">
+              <a:spcBef>
+                <a:spcPct val="20000"/>
+              </a:spcBef>
+              <a:spcAft>
+                <a:spcPct val="0"/>
+              </a:spcAft>
+              <a:defRPr sz="2400">
+                <a:solidFill>
+                  <a:schemeClr val="tx1">
+                    <a:lumMod val="50000"/>
+                    <a:lumOff val="50000"/>
+                  </a:schemeClr>
+                </a:solidFill>
+                <a:latin typeface="Trebuchet MS" pitchFamily="34" charset="0"/>
+                <a:ea typeface="+mn-ea"/>
+                <a:cs typeface="Calibri" pitchFamily="34" charset="0"/>
+              </a:defRPr>
+            </a:lvl1pPr>
+            <a:lvl2pPr marL="742950" indent="-285750" algn="l" rtl="0" eaLnBrk="0" fontAlgn="base" hangingPunct="0">
+              <a:spcBef>
+                <a:spcPct val="20000"/>
+              </a:spcBef>
+              <a:spcAft>
+                <a:spcPct val="0"/>
+              </a:spcAft>
+              <a:buClr>
+                <a:srgbClr val="D12821"/>
+              </a:buClr>
+              <a:buFont typeface="Wingdings" pitchFamily="2" charset="2"/>
+              <a:buChar char="Ø"/>
+              <a:defRPr sz="2400">
+                <a:solidFill>
+                  <a:schemeClr val="tx1">
+                    <a:lumMod val="50000"/>
+                    <a:lumOff val="50000"/>
+                  </a:schemeClr>
+                </a:solidFill>
+                <a:latin typeface="DIN" pitchFamily="50" charset="0"/>
+                <a:ea typeface="+mn-ea"/>
+                <a:cs typeface="Calibri" pitchFamily="34" charset="0"/>
+              </a:defRPr>
+            </a:lvl2pPr>
+            <a:lvl3pPr marL="1143000" indent="-228600" algn="l" rtl="0" eaLnBrk="0" fontAlgn="base" hangingPunct="0">
+              <a:spcBef>
+                <a:spcPct val="20000"/>
+              </a:spcBef>
+              <a:spcAft>
+                <a:spcPct val="0"/>
+              </a:spcAft>
+              <a:buClr>
+                <a:srgbClr val="006BAD"/>
+              </a:buClr>
+              <a:buFont typeface="Wingdings" pitchFamily="2" charset="2"/>
+              <a:buChar char="§"/>
+              <a:defRPr sz="2200">
+                <a:solidFill>
+                  <a:schemeClr val="tx1">
+                    <a:lumMod val="50000"/>
+                    <a:lumOff val="50000"/>
+                  </a:schemeClr>
+                </a:solidFill>
+                <a:latin typeface="DIN" pitchFamily="50" charset="0"/>
+                <a:ea typeface="+mn-ea"/>
+                <a:cs typeface="Calibri" pitchFamily="34" charset="0"/>
+              </a:defRPr>
+            </a:lvl3pPr>
+            <a:lvl4pPr marL="1714500" indent="-342900" algn="l" rtl="0" eaLnBrk="0" fontAlgn="base" hangingPunct="0">
+              <a:spcBef>
+                <a:spcPct val="20000"/>
+              </a:spcBef>
+              <a:spcAft>
+                <a:spcPct val="0"/>
+              </a:spcAft>
+              <a:buClr>
+                <a:srgbClr val="0281C9"/>
+              </a:buClr>
+              <a:buFont typeface="Arial" panose="020B0604020202020204" pitchFamily="34" charset="0"/>
+              <a:buChar char="•"/>
+              <a:defRPr sz="2000">
+                <a:solidFill>
+                  <a:schemeClr val="tx1">
+                    <a:lumMod val="50000"/>
+                    <a:lumOff val="50000"/>
+                  </a:schemeClr>
+                </a:solidFill>
+                <a:latin typeface="DIN" pitchFamily="50" charset="0"/>
+                <a:ea typeface="+mn-ea"/>
+                <a:cs typeface="Calibri" pitchFamily="34" charset="0"/>
+              </a:defRPr>
+            </a:lvl4pPr>
+            <a:lvl5pPr marL="2114550" indent="-285750" algn="l" rtl="0" eaLnBrk="0" fontAlgn="base" hangingPunct="0">
+              <a:spcBef>
+                <a:spcPct val="20000"/>
+              </a:spcBef>
+              <a:spcAft>
+                <a:spcPct val="0"/>
+              </a:spcAft>
+              <a:buClr>
+                <a:srgbClr val="74BAE2"/>
+              </a:buClr>
+              <a:buFont typeface="Courier New" panose="02070309020205020404" pitchFamily="49" charset="0"/>
+              <a:buChar char="o"/>
+              <a:defRPr sz="1800">
+                <a:solidFill>
+                  <a:schemeClr val="tx1">
+                    <a:lumMod val="50000"/>
+                    <a:lumOff val="50000"/>
+                  </a:schemeClr>
+                </a:solidFill>
+                <a:latin typeface="DIN" pitchFamily="50" charset="0"/>
+                <a:ea typeface="+mn-ea"/>
+                <a:cs typeface="Calibri" pitchFamily="34" charset="0"/>
+              </a:defRPr>
+            </a:lvl5pPr>
+            <a:lvl6pPr marL="2514600" indent="-228600" algn="l" rtl="0" fontAlgn="base">
+              <a:spcBef>
+                <a:spcPct val="20000"/>
+              </a:spcBef>
+              <a:spcAft>
+                <a:spcPct val="0"/>
+              </a:spcAft>
+              <a:buClr>
+                <a:srgbClr val="74BAE2"/>
+              </a:buClr>
+              <a:buFont typeface="Times" charset="0"/>
+              <a:buChar char="•"/>
+              <a:defRPr sz="1600">
+                <a:solidFill>
+                  <a:schemeClr val="tx1"/>
+                </a:solidFill>
+                <a:latin typeface="+mn-lt"/>
+                <a:ea typeface="+mn-ea"/>
+                <a:cs typeface="+mn-cs"/>
+              </a:defRPr>
+            </a:lvl6pPr>
+            <a:lvl7pPr marL="2971800" indent="-228600" algn="l" rtl="0" fontAlgn="base">
+              <a:spcBef>
+                <a:spcPct val="20000"/>
+              </a:spcBef>
+              <a:spcAft>
+                <a:spcPct val="0"/>
+              </a:spcAft>
+              <a:buClr>
+                <a:srgbClr val="74BAE2"/>
+              </a:buClr>
+              <a:buFont typeface="Times" charset="0"/>
+              <a:buChar char="•"/>
+              <a:defRPr sz="1600">
+                <a:solidFill>
+                  <a:schemeClr val="tx1"/>
+                </a:solidFill>
+                <a:latin typeface="+mn-lt"/>
+                <a:ea typeface="+mn-ea"/>
+                <a:cs typeface="+mn-cs"/>
+              </a:defRPr>
+            </a:lvl7pPr>
+            <a:lvl8pPr marL="3429000" indent="-228600" algn="l" rtl="0" fontAlgn="base">
+              <a:spcBef>
+                <a:spcPct val="20000"/>
+              </a:spcBef>
+              <a:spcAft>
+                <a:spcPct val="0"/>
+              </a:spcAft>
+              <a:buClr>
+                <a:srgbClr val="74BAE2"/>
+              </a:buClr>
+              <a:buFont typeface="Times" charset="0"/>
+              <a:buChar char="•"/>
+              <a:defRPr sz="1600">
+                <a:solidFill>
+                  <a:schemeClr val="tx1"/>
+                </a:solidFill>
+                <a:latin typeface="+mn-lt"/>
+                <a:ea typeface="+mn-ea"/>
+                <a:cs typeface="+mn-cs"/>
+              </a:defRPr>
+            </a:lvl8pPr>
+            <a:lvl9pPr marL="3886200" indent="-228600" algn="l" rtl="0" fontAlgn="base">
+              <a:spcBef>
+                <a:spcPct val="20000"/>
+              </a:spcBef>
+              <a:spcAft>
+                <a:spcPct val="0"/>
+              </a:spcAft>
+              <a:buClr>
+                <a:srgbClr val="74BAE2"/>
+              </a:buClr>
+              <a:buFont typeface="Times" charset="0"/>
+              <a:buChar char="•"/>
+              <a:defRPr sz="1600">
+                <a:solidFill>
+                  <a:schemeClr val="tx1"/>
+                </a:solidFill>
+                <a:latin typeface="+mn-lt"/>
+                <a:ea typeface="+mn-ea"/>
+                <a:cs typeface="+mn-cs"/>
+              </a:defRPr>
+            </a:lvl9pPr>
+          </a:lstStyle>
+          <a:p>
+            <a:pPr algn="ctr"/>
+            <a:r>
+              <a:rPr lang="de-DE" sz="2000" kern="0" dirty="0"/>
+              <a:t>Aufruf</a:t>
             </a:r>
           </a:p>
         </p:txBody>
@@ -7529,26 +9437,47 @@
         </p:nvSpPr>
         <p:spPr>
           <a:xfrm>
-            <a:off x="1992314" y="1268414"/>
-            <a:ext cx="8207375" cy="4321175"/>
+            <a:off x="2639611" y="2852936"/>
+            <a:ext cx="2376265" cy="1080120"/>
           </a:xfrm>
         </p:spPr>
         <p:txBody>
           <a:bodyPr/>
           <a:lstStyle/>
           <a:p>
+            <a:pPr algn="ctr"/>
             <a:r>
               <a:rPr lang="de-DE" sz="2000" dirty="0"/>
-              <a:t>(Live Demonstration)</a:t>
-            </a:r>
-            <a:endParaRPr lang="en-US" sz="2000" dirty="0"/>
+              <a:t>Lokale Instanz</a:t>
+            </a:r>
+          </a:p>
+          <a:p>
+            <a:pPr algn="ctr"/>
+            <a:r>
+              <a:rPr lang="de-DE" sz="1400" dirty="0"/>
+              <a:t>(Windows, Mac, Linux…)</a:t>
+            </a:r>
+          </a:p>
+          <a:p>
+            <a:r>
+              <a:rPr lang="de-DE" sz="2000" dirty="0"/>
+              <a:t>- </a:t>
+            </a:r>
+            <a:r>
+              <a:rPr lang="de-DE" sz="2000" dirty="0" err="1"/>
+              <a:t>Node</a:t>
+            </a:r>
+            <a:r>
+              <a:rPr lang="de-DE" sz="2000" dirty="0"/>
+              <a:t>-Programme</a:t>
+            </a:r>
           </a:p>
         </p:txBody>
       </p:sp>
     </p:spTree>
     <p:extLst>
       <p:ext uri="{BB962C8B-B14F-4D97-AF65-F5344CB8AC3E}">
-        <p14:creationId xmlns:p14="http://schemas.microsoft.com/office/powerpoint/2010/main" val="1228307964"/>
+        <p14:creationId xmlns:p14="http://schemas.microsoft.com/office/powerpoint/2010/main" val="3277454285"/>
       </p:ext>
     </p:extLst>
   </p:cSld>
@@ -7652,18 +9581,28 @@
             </a:br>
             <a:r>
               <a:rPr lang="de-DE" altLang="de-DE" sz="2400" dirty="0"/>
-              <a:t>Taskforce Webseite: https://taskforce-it.de/</a:t>
+              <a:t>Taskforce Webseite: </a:t>
             </a:r>
             <a:br>
               <a:rPr lang="de-DE" altLang="de-DE" sz="2400" dirty="0"/>
             </a:br>
             <a:r>
-              <a:rPr lang="de-DE" altLang="de-DE" sz="2400"/>
+              <a:rPr lang="de-DE" altLang="de-DE" sz="2400" dirty="0"/>
+              <a:t>https://taskforce-it.de/</a:t>
+            </a:r>
+            <a:br>
+              <a:rPr lang="de-DE" altLang="de-DE" sz="2400" dirty="0"/>
+            </a:br>
+            <a:br>
+              <a:rPr lang="de-DE" altLang="de-DE" sz="2400" dirty="0"/>
+            </a:br>
+            <a:r>
+              <a:rPr lang="de-DE" altLang="de-DE" sz="2400" dirty="0" err="1"/>
               <a:t>Github</a:t>
             </a:r>
             <a:r>
               <a:rPr lang="de-DE" altLang="de-DE" sz="2400" dirty="0"/>
-              <a:t> Repository zum Vortrag: </a:t>
+              <a:t> Repository zum Vortrag: https://github.com/TaskForceIT/COMMON-Mai-2020</a:t>
             </a:r>
             <a:br>
               <a:rPr lang="de-DE" altLang="de-DE" sz="2400" dirty="0"/>
